--- a/패킷 송수신 모식도.pptx
+++ b/패킷 송수신 모식도.pptx
@@ -4328,9 +4328,9 @@
         <p:grpSpPr>
           <a:xfrm>
             <a:off x="876159" y="971115"/>
-            <a:ext cx="10509883" cy="5719170"/>
+            <a:ext cx="10509883" cy="5596569"/>
             <a:chOff x="876159" y="881349"/>
-            <a:chExt cx="10509883" cy="5719170"/>
+            <a:chExt cx="10509883" cy="5596569"/>
           </a:xfrm>
         </p:grpSpPr>
         <p:grpSp>
@@ -5328,9 +5328,9 @@
           <p:grpSpPr>
             <a:xfrm>
               <a:off x="8978833" y="2233558"/>
-              <a:ext cx="2239692" cy="4366961"/>
+              <a:ext cx="2239692" cy="4244360"/>
               <a:chOff x="1102853" y="1027680"/>
-              <a:chExt cx="3139034" cy="6546643"/>
+              <a:chExt cx="3139034" cy="6362849"/>
             </a:xfrm>
           </p:grpSpPr>
           <p:grpSp>
@@ -5471,7 +5471,7 @@
             <p:spPr>
               <a:xfrm>
                 <a:off x="1667801" y="1870016"/>
-                <a:ext cx="0" cy="5702186"/>
+                <a:ext cx="0" cy="5520513"/>
               </a:xfrm>
               <a:prstGeom prst="line">
                 <a:avLst/>
@@ -5509,7 +5509,7 @@
             <p:spPr>
               <a:xfrm>
                 <a:off x="3703396" y="1872137"/>
-                <a:ext cx="0" cy="5702186"/>
+                <a:ext cx="0" cy="5518391"/>
               </a:xfrm>
               <a:prstGeom prst="line">
                 <a:avLst/>
@@ -5701,7 +5701,7 @@
           </p:nvCxnSpPr>
           <p:spPr>
             <a:xfrm>
-              <a:off x="9464567" y="4760392"/>
+              <a:off x="9464567" y="5494703"/>
               <a:ext cx="1224930" cy="0"/>
             </a:xfrm>
             <a:prstGeom prst="straightConnector1">
@@ -5742,7 +5742,7 @@
           </p:nvCxnSpPr>
           <p:spPr>
             <a:xfrm flipH="1">
-              <a:off x="9464566" y="5528680"/>
+              <a:off x="9464566" y="4768772"/>
               <a:ext cx="1224929" cy="0"/>
             </a:xfrm>
             <a:prstGeom prst="straightConnector1">
@@ -5961,7 +5961,7 @@
           </p:nvSpPr>
           <p:spPr>
             <a:xfrm>
-              <a:off x="9482946" y="5712193"/>
+              <a:off x="9482946" y="5621724"/>
               <a:ext cx="1223396" cy="584775"/>
             </a:xfrm>
             <a:prstGeom prst="rect">
@@ -5985,10 +5985,10 @@
         </p:sp>
         <p:cxnSp>
           <p:nvCxnSpPr>
-            <p:cNvPr id="61" name="직선 화살표 연결선 60">
+            <p:cNvPr id="55" name="직선 화살표 연결선 54">
               <a:extLst>
                 <a:ext uri="{FF2B5EF4-FFF2-40B4-BE49-F238E27FC236}">
-                  <a16:creationId xmlns:a16="http://schemas.microsoft.com/office/drawing/2014/main" id="{DE2D49E2-0937-4BCB-8C42-A02DB7C53B5F}"/>
+                  <a16:creationId xmlns:a16="http://schemas.microsoft.com/office/drawing/2014/main" id="{2BC6C27D-044C-49AF-A53B-813A9927A0B0}"/>
                 </a:ext>
               </a:extLst>
             </p:cNvPr>
@@ -5998,9 +5998,9 @@
             <p:nvPr/>
           </p:nvCxnSpPr>
           <p:spPr>
-            <a:xfrm>
-              <a:off x="9464565" y="6318270"/>
-              <a:ext cx="1224930" cy="0"/>
+            <a:xfrm flipH="1">
+              <a:off x="9464565" y="6255436"/>
+              <a:ext cx="1224929" cy="0"/>
             </a:xfrm>
             <a:prstGeom prst="straightConnector1">
               <a:avLst/>

--- a/패킷 송수신 모식도.pptx
+++ b/패킷 송수신 모식도.pptx
@@ -271,7 +271,7 @@
           <a:p>
             <a:fld id="{2D648A5F-11CE-49B9-8547-2F6B6FE1AC36}" type="datetimeFigureOut">
               <a:rPr lang="ko-KR" altLang="en-US" smtClean="0"/>
-              <a:t>2020-09-05</a:t>
+              <a:t>2020-09-06</a:t>
             </a:fld>
             <a:endParaRPr lang="ko-KR" altLang="en-US"/>
           </a:p>
@@ -469,7 +469,7 @@
           <a:p>
             <a:fld id="{2D648A5F-11CE-49B9-8547-2F6B6FE1AC36}" type="datetimeFigureOut">
               <a:rPr lang="ko-KR" altLang="en-US" smtClean="0"/>
-              <a:t>2020-09-05</a:t>
+              <a:t>2020-09-06</a:t>
             </a:fld>
             <a:endParaRPr lang="ko-KR" altLang="en-US"/>
           </a:p>
@@ -677,7 +677,7 @@
           <a:p>
             <a:fld id="{2D648A5F-11CE-49B9-8547-2F6B6FE1AC36}" type="datetimeFigureOut">
               <a:rPr lang="ko-KR" altLang="en-US" smtClean="0"/>
-              <a:t>2020-09-05</a:t>
+              <a:t>2020-09-06</a:t>
             </a:fld>
             <a:endParaRPr lang="ko-KR" altLang="en-US"/>
           </a:p>
@@ -875,7 +875,7 @@
           <a:p>
             <a:fld id="{2D648A5F-11CE-49B9-8547-2F6B6FE1AC36}" type="datetimeFigureOut">
               <a:rPr lang="ko-KR" altLang="en-US" smtClean="0"/>
-              <a:t>2020-09-05</a:t>
+              <a:t>2020-09-06</a:t>
             </a:fld>
             <a:endParaRPr lang="ko-KR" altLang="en-US"/>
           </a:p>
@@ -1150,7 +1150,7 @@
           <a:p>
             <a:fld id="{2D648A5F-11CE-49B9-8547-2F6B6FE1AC36}" type="datetimeFigureOut">
               <a:rPr lang="ko-KR" altLang="en-US" smtClean="0"/>
-              <a:t>2020-09-05</a:t>
+              <a:t>2020-09-06</a:t>
             </a:fld>
             <a:endParaRPr lang="ko-KR" altLang="en-US"/>
           </a:p>
@@ -1415,7 +1415,7 @@
           <a:p>
             <a:fld id="{2D648A5F-11CE-49B9-8547-2F6B6FE1AC36}" type="datetimeFigureOut">
               <a:rPr lang="ko-KR" altLang="en-US" smtClean="0"/>
-              <a:t>2020-09-05</a:t>
+              <a:t>2020-09-06</a:t>
             </a:fld>
             <a:endParaRPr lang="ko-KR" altLang="en-US"/>
           </a:p>
@@ -1827,7 +1827,7 @@
           <a:p>
             <a:fld id="{2D648A5F-11CE-49B9-8547-2F6B6FE1AC36}" type="datetimeFigureOut">
               <a:rPr lang="ko-KR" altLang="en-US" smtClean="0"/>
-              <a:t>2020-09-05</a:t>
+              <a:t>2020-09-06</a:t>
             </a:fld>
             <a:endParaRPr lang="ko-KR" altLang="en-US"/>
           </a:p>
@@ -1968,7 +1968,7 @@
           <a:p>
             <a:fld id="{2D648A5F-11CE-49B9-8547-2F6B6FE1AC36}" type="datetimeFigureOut">
               <a:rPr lang="ko-KR" altLang="en-US" smtClean="0"/>
-              <a:t>2020-09-05</a:t>
+              <a:t>2020-09-06</a:t>
             </a:fld>
             <a:endParaRPr lang="ko-KR" altLang="en-US"/>
           </a:p>
@@ -2081,7 +2081,7 @@
           <a:p>
             <a:fld id="{2D648A5F-11CE-49B9-8547-2F6B6FE1AC36}" type="datetimeFigureOut">
               <a:rPr lang="ko-KR" altLang="en-US" smtClean="0"/>
-              <a:t>2020-09-05</a:t>
+              <a:t>2020-09-06</a:t>
             </a:fld>
             <a:endParaRPr lang="ko-KR" altLang="en-US"/>
           </a:p>
@@ -2392,7 +2392,7 @@
           <a:p>
             <a:fld id="{2D648A5F-11CE-49B9-8547-2F6B6FE1AC36}" type="datetimeFigureOut">
               <a:rPr lang="ko-KR" altLang="en-US" smtClean="0"/>
-              <a:t>2020-09-05</a:t>
+              <a:t>2020-09-06</a:t>
             </a:fld>
             <a:endParaRPr lang="ko-KR" altLang="en-US"/>
           </a:p>
@@ -2680,7 +2680,7 @@
           <a:p>
             <a:fld id="{2D648A5F-11CE-49B9-8547-2F6B6FE1AC36}" type="datetimeFigureOut">
               <a:rPr lang="ko-KR" altLang="en-US" smtClean="0"/>
-              <a:t>2020-09-05</a:t>
+              <a:t>2020-09-06</a:t>
             </a:fld>
             <a:endParaRPr lang="ko-KR" altLang="en-US"/>
           </a:p>
@@ -2921,7 +2921,7 @@
           <a:p>
             <a:fld id="{2D648A5F-11CE-49B9-8547-2F6B6FE1AC36}" type="datetimeFigureOut">
               <a:rPr lang="ko-KR" altLang="en-US" smtClean="0"/>
-              <a:t>2020-09-05</a:t>
+              <a:t>2020-09-06</a:t>
             </a:fld>
             <a:endParaRPr lang="ko-KR" altLang="en-US"/>
           </a:p>
@@ -4313,12 +4313,94 @@
           </a:p>
         </p:txBody>
       </p:sp>
+      <p:cxnSp>
+        <p:nvCxnSpPr>
+          <p:cNvPr id="36" name="직선 연결선 35">
+            <a:extLst>
+              <a:ext uri="{FF2B5EF4-FFF2-40B4-BE49-F238E27FC236}">
+                <a16:creationId xmlns:a16="http://schemas.microsoft.com/office/drawing/2014/main" id="{7F44C059-873A-4271-A0FD-996C5B5AB1E0}"/>
+              </a:ext>
+            </a:extLst>
+          </p:cNvPr>
+          <p:cNvCxnSpPr>
+            <a:cxnSpLocks/>
+          </p:cNvCxnSpPr>
+          <p:nvPr/>
+        </p:nvCxnSpPr>
+        <p:spPr>
+          <a:xfrm>
+            <a:off x="4043190" y="971115"/>
+            <a:ext cx="0" cy="5596569"/>
+          </a:xfrm>
+          <a:prstGeom prst="line">
+            <a:avLst/>
+          </a:prstGeom>
+          <a:ln w="38100">
+            <a:prstDash val="sysDash"/>
+          </a:ln>
+        </p:spPr>
+        <p:style>
+          <a:lnRef idx="1">
+            <a:schemeClr val="dk1"/>
+          </a:lnRef>
+          <a:fillRef idx="0">
+            <a:schemeClr val="dk1"/>
+          </a:fillRef>
+          <a:effectRef idx="0">
+            <a:schemeClr val="dk1"/>
+          </a:effectRef>
+          <a:fontRef idx="minor">
+            <a:schemeClr val="tx1"/>
+          </a:fontRef>
+        </p:style>
+      </p:cxnSp>
+      <p:cxnSp>
+        <p:nvCxnSpPr>
+          <p:cNvPr id="37" name="직선 연결선 36">
+            <a:extLst>
+              <a:ext uri="{FF2B5EF4-FFF2-40B4-BE49-F238E27FC236}">
+                <a16:creationId xmlns:a16="http://schemas.microsoft.com/office/drawing/2014/main" id="{E52345B2-BD04-4E57-9E01-B9D17B045AA7}"/>
+              </a:ext>
+            </a:extLst>
+          </p:cNvPr>
+          <p:cNvCxnSpPr>
+            <a:cxnSpLocks/>
+          </p:cNvCxnSpPr>
+          <p:nvPr/>
+        </p:nvCxnSpPr>
+        <p:spPr>
+          <a:xfrm>
+            <a:off x="8139629" y="971115"/>
+            <a:ext cx="0" cy="5596569"/>
+          </a:xfrm>
+          <a:prstGeom prst="line">
+            <a:avLst/>
+          </a:prstGeom>
+          <a:ln w="38100">
+            <a:prstDash val="sysDash"/>
+          </a:ln>
+        </p:spPr>
+        <p:style>
+          <a:lnRef idx="1">
+            <a:schemeClr val="dk1"/>
+          </a:lnRef>
+          <a:fillRef idx="0">
+            <a:schemeClr val="dk1"/>
+          </a:fillRef>
+          <a:effectRef idx="0">
+            <a:schemeClr val="dk1"/>
+          </a:effectRef>
+          <a:fontRef idx="minor">
+            <a:schemeClr val="tx1"/>
+          </a:fontRef>
+        </p:style>
+      </p:cxnSp>
       <p:grpSp>
         <p:nvGrpSpPr>
-          <p:cNvPr id="22" name="그룹 21">
-            <a:extLst>
-              <a:ext uri="{FF2B5EF4-FFF2-40B4-BE49-F238E27FC236}">
-                <a16:creationId xmlns:a16="http://schemas.microsoft.com/office/drawing/2014/main" id="{311879A6-C692-4894-A5EA-FBA8B70BE490}"/>
+          <p:cNvPr id="76" name="그룹 75">
+            <a:extLst>
+              <a:ext uri="{FF2B5EF4-FFF2-40B4-BE49-F238E27FC236}">
+                <a16:creationId xmlns:a16="http://schemas.microsoft.com/office/drawing/2014/main" id="{E1F1F6CC-F270-4E16-9AFB-55D799213C1B}"/>
               </a:ext>
             </a:extLst>
           </p:cNvPr>
@@ -4327,18 +4409,18 @@
         </p:nvGrpSpPr>
         <p:grpSpPr>
           <a:xfrm>
-            <a:off x="876159" y="971115"/>
-            <a:ext cx="10509883" cy="5596569"/>
-            <a:chOff x="876159" y="881349"/>
-            <a:chExt cx="10509883" cy="5596569"/>
+            <a:off x="4979710" y="2511114"/>
+            <a:ext cx="2239692" cy="3517130"/>
+            <a:chOff x="1102853" y="1027680"/>
+            <a:chExt cx="3139034" cy="5272636"/>
           </a:xfrm>
         </p:grpSpPr>
         <p:grpSp>
           <p:nvGrpSpPr>
-            <p:cNvPr id="13" name="그룹 12">
+            <p:cNvPr id="77" name="그룹 76">
               <a:extLst>
                 <a:ext uri="{FF2B5EF4-FFF2-40B4-BE49-F238E27FC236}">
-                  <a16:creationId xmlns:a16="http://schemas.microsoft.com/office/drawing/2014/main" id="{5A9F8746-6386-42B1-A340-25FE6459F851}"/>
+                  <a16:creationId xmlns:a16="http://schemas.microsoft.com/office/drawing/2014/main" id="{12C524BA-C959-4FFB-8BD8-D40F1D9C5241}"/>
                 </a:ext>
               </a:extLst>
             </p:cNvPr>
@@ -4347,216 +4429,119 @@
           </p:nvGrpSpPr>
           <p:grpSpPr>
             <a:xfrm>
-              <a:off x="876159" y="2652061"/>
-              <a:ext cx="2239692" cy="2577977"/>
-              <a:chOff x="1102853" y="1027680"/>
-              <a:chExt cx="3139034" cy="3864723"/>
+              <a:off x="1102853" y="1027680"/>
+              <a:ext cx="3139034" cy="715217"/>
+              <a:chOff x="3317921" y="857359"/>
+              <a:chExt cx="3139034" cy="715217"/>
             </a:xfrm>
           </p:grpSpPr>
-          <p:grpSp>
-            <p:nvGrpSpPr>
-              <p:cNvPr id="8" name="그룹 7">
+          <p:sp>
+            <p:nvSpPr>
+              <p:cNvPr id="80" name="직사각형 79">
                 <a:extLst>
                   <a:ext uri="{FF2B5EF4-FFF2-40B4-BE49-F238E27FC236}">
-                    <a16:creationId xmlns:a16="http://schemas.microsoft.com/office/drawing/2014/main" id="{33470B1B-4419-4A40-B2EA-206CCEACEC27}"/>
+                    <a16:creationId xmlns:a16="http://schemas.microsoft.com/office/drawing/2014/main" id="{E8E79E30-0A84-4273-8AEB-9F10B223C24F}"/>
                   </a:ext>
                 </a:extLst>
               </p:cNvPr>
-              <p:cNvGrpSpPr/>
+              <p:cNvSpPr/>
               <p:nvPr/>
-            </p:nvGrpSpPr>
-            <p:grpSpPr>
-              <a:xfrm>
-                <a:off x="1102853" y="1027680"/>
-                <a:ext cx="3139034" cy="715217"/>
-                <a:chOff x="3317921" y="857359"/>
-                <a:chExt cx="3139034" cy="715217"/>
-              </a:xfrm>
-            </p:grpSpPr>
-            <p:sp>
-              <p:nvSpPr>
-                <p:cNvPr id="5" name="직사각형 4">
-                  <a:extLst>
-                    <a:ext uri="{FF2B5EF4-FFF2-40B4-BE49-F238E27FC236}">
-                      <a16:creationId xmlns:a16="http://schemas.microsoft.com/office/drawing/2014/main" id="{5F115CB6-C582-45D4-9E6D-0A8B4903D92E}"/>
-                    </a:ext>
-                  </a:extLst>
-                </p:cNvPr>
-                <p:cNvSpPr/>
-                <p:nvPr/>
-              </p:nvSpPr>
-              <p:spPr>
-                <a:xfrm>
-                  <a:off x="3317921" y="857360"/>
-                  <a:ext cx="1123721" cy="715216"/>
-                </a:xfrm>
-                <a:prstGeom prst="rect">
-                  <a:avLst/>
-                </a:prstGeom>
-              </p:spPr>
-              <p:style>
-                <a:lnRef idx="2">
-                  <a:schemeClr val="accent1">
-                    <a:shade val="50000"/>
-                  </a:schemeClr>
-                </a:lnRef>
-                <a:fillRef idx="1">
-                  <a:schemeClr val="accent1"/>
-                </a:fillRef>
-                <a:effectRef idx="0">
-                  <a:schemeClr val="accent1"/>
-                </a:effectRef>
-                <a:fontRef idx="minor">
-                  <a:schemeClr val="lt1"/>
-                </a:fontRef>
-              </p:style>
-              <p:txBody>
-                <a:bodyPr rtlCol="0" anchor="ctr"/>
-                <a:lstStyle/>
-                <a:p>
-                  <a:pPr algn="ctr"/>
-                  <a:r>
-                    <a:rPr lang="en-US" altLang="ko-KR" sz="1400" dirty="0"/>
-                    <a:t>Hub</a:t>
-                  </a:r>
-                  <a:endParaRPr lang="ko-KR" altLang="en-US" sz="1400" dirty="0"/>
-                </a:p>
-              </p:txBody>
-            </p:sp>
-            <p:sp>
-              <p:nvSpPr>
-                <p:cNvPr id="6" name="직사각형 5">
-                  <a:extLst>
-                    <a:ext uri="{FF2B5EF4-FFF2-40B4-BE49-F238E27FC236}">
-                      <a16:creationId xmlns:a16="http://schemas.microsoft.com/office/drawing/2014/main" id="{82AE0AE1-C5F3-4EBD-BC46-E04B14DEC5A0}"/>
-                    </a:ext>
-                  </a:extLst>
-                </p:cNvPr>
-                <p:cNvSpPr/>
-                <p:nvPr/>
-              </p:nvSpPr>
-              <p:spPr>
-                <a:xfrm>
-                  <a:off x="5333232" y="857359"/>
-                  <a:ext cx="1123723" cy="715217"/>
-                </a:xfrm>
-                <a:prstGeom prst="rect">
-                  <a:avLst/>
-                </a:prstGeom>
-              </p:spPr>
-              <p:style>
-                <a:lnRef idx="2">
-                  <a:schemeClr val="accent1">
-                    <a:shade val="50000"/>
-                  </a:schemeClr>
-                </a:lnRef>
-                <a:fillRef idx="1">
-                  <a:schemeClr val="accent1"/>
-                </a:fillRef>
-                <a:effectRef idx="0">
-                  <a:schemeClr val="accent1"/>
-                </a:effectRef>
-                <a:fontRef idx="minor">
-                  <a:schemeClr val="lt1"/>
-                </a:fontRef>
-              </p:style>
-              <p:txBody>
-                <a:bodyPr rtlCol="0" anchor="ctr"/>
-                <a:lstStyle/>
-                <a:p>
-                  <a:pPr algn="ctr"/>
-                  <a:r>
-                    <a:rPr lang="en-US" altLang="ko-KR" sz="1400" dirty="0"/>
-                    <a:t>Device</a:t>
-                  </a:r>
-                  <a:endParaRPr lang="ko-KR" altLang="en-US" sz="1400" dirty="0"/>
-                </a:p>
-              </p:txBody>
-            </p:sp>
-          </p:grpSp>
-          <p:cxnSp>
-            <p:nvCxnSpPr>
-              <p:cNvPr id="12" name="직선 연결선 11">
-                <a:extLst>
-                  <a:ext uri="{FF2B5EF4-FFF2-40B4-BE49-F238E27FC236}">
-                    <a16:creationId xmlns:a16="http://schemas.microsoft.com/office/drawing/2014/main" id="{FEE1C1CF-C002-4B15-968F-E8C7B4AD1137}"/>
-                  </a:ext>
-                </a:extLst>
-              </p:cNvPr>
-              <p:cNvCxnSpPr>
-                <a:cxnSpLocks/>
-              </p:cNvCxnSpPr>
-              <p:nvPr/>
-            </p:nvCxnSpPr>
+            </p:nvSpPr>
             <p:spPr>
               <a:xfrm>
-                <a:off x="1667801" y="1870016"/>
-                <a:ext cx="0" cy="3022387"/>
+                <a:off x="3317921" y="857360"/>
+                <a:ext cx="1123721" cy="715216"/>
               </a:xfrm>
-              <a:prstGeom prst="line">
+              <a:prstGeom prst="rect">
                 <a:avLst/>
               </a:prstGeom>
             </p:spPr>
             <p:style>
-              <a:lnRef idx="1">
-                <a:schemeClr val="accent1"/>
+              <a:lnRef idx="2">
+                <a:schemeClr val="accent1">
+                  <a:shade val="50000"/>
+                </a:schemeClr>
               </a:lnRef>
-              <a:fillRef idx="0">
+              <a:fillRef idx="1">
                 <a:schemeClr val="accent1"/>
               </a:fillRef>
               <a:effectRef idx="0">
                 <a:schemeClr val="accent1"/>
               </a:effectRef>
               <a:fontRef idx="minor">
-                <a:schemeClr val="tx1"/>
+                <a:schemeClr val="lt1"/>
               </a:fontRef>
             </p:style>
-          </p:cxnSp>
-          <p:cxnSp>
-            <p:nvCxnSpPr>
-              <p:cNvPr id="23" name="직선 연결선 22">
+            <p:txBody>
+              <a:bodyPr rtlCol="0" anchor="ctr"/>
+              <a:lstStyle/>
+              <a:p>
+                <a:pPr algn="ctr"/>
+                <a:r>
+                  <a:rPr lang="en-US" altLang="ko-KR" sz="1400" dirty="0"/>
+                  <a:t>Hub</a:t>
+                </a:r>
+                <a:endParaRPr lang="ko-KR" altLang="en-US" sz="1400" dirty="0"/>
+              </a:p>
+            </p:txBody>
+          </p:sp>
+          <p:sp>
+            <p:nvSpPr>
+              <p:cNvPr id="81" name="직사각형 80">
                 <a:extLst>
                   <a:ext uri="{FF2B5EF4-FFF2-40B4-BE49-F238E27FC236}">
-                    <a16:creationId xmlns:a16="http://schemas.microsoft.com/office/drawing/2014/main" id="{7E8166D1-52CB-4FA9-BD0F-C2FED538C97C}"/>
+                    <a16:creationId xmlns:a16="http://schemas.microsoft.com/office/drawing/2014/main" id="{971CA5A3-7926-4FDB-8BEE-60D79C468AA0}"/>
                   </a:ext>
                 </a:extLst>
               </p:cNvPr>
-              <p:cNvCxnSpPr>
-                <a:cxnSpLocks/>
-              </p:cNvCxnSpPr>
+              <p:cNvSpPr/>
               <p:nvPr/>
-            </p:nvCxnSpPr>
+            </p:nvSpPr>
             <p:spPr>
               <a:xfrm>
-                <a:off x="3677969" y="1870016"/>
-                <a:ext cx="0" cy="3022387"/>
+                <a:off x="5333232" y="857359"/>
+                <a:ext cx="1123723" cy="715217"/>
               </a:xfrm>
-              <a:prstGeom prst="line">
+              <a:prstGeom prst="rect">
                 <a:avLst/>
               </a:prstGeom>
             </p:spPr>
             <p:style>
-              <a:lnRef idx="1">
-                <a:schemeClr val="accent1"/>
+              <a:lnRef idx="2">
+                <a:schemeClr val="accent1">
+                  <a:shade val="50000"/>
+                </a:schemeClr>
               </a:lnRef>
-              <a:fillRef idx="0">
+              <a:fillRef idx="1">
                 <a:schemeClr val="accent1"/>
               </a:fillRef>
               <a:effectRef idx="0">
                 <a:schemeClr val="accent1"/>
               </a:effectRef>
               <a:fontRef idx="minor">
-                <a:schemeClr val="tx1"/>
+                <a:schemeClr val="lt1"/>
               </a:fontRef>
             </p:style>
-          </p:cxnSp>
+            <p:txBody>
+              <a:bodyPr rtlCol="0" anchor="ctr"/>
+              <a:lstStyle/>
+              <a:p>
+                <a:pPr algn="ctr"/>
+                <a:r>
+                  <a:rPr lang="en-US" altLang="ko-KR" sz="1400" dirty="0"/>
+                  <a:t>Device</a:t>
+                </a:r>
+                <a:endParaRPr lang="ko-KR" altLang="en-US" sz="1400" dirty="0"/>
+              </a:p>
+            </p:txBody>
+          </p:sp>
         </p:grpSp>
         <p:cxnSp>
           <p:nvCxnSpPr>
-            <p:cNvPr id="36" name="직선 연결선 35">
+            <p:cNvPr id="78" name="직선 연결선 77">
               <a:extLst>
                 <a:ext uri="{FF2B5EF4-FFF2-40B4-BE49-F238E27FC236}">
-                  <a16:creationId xmlns:a16="http://schemas.microsoft.com/office/drawing/2014/main" id="{7F44C059-873A-4271-A0FD-996C5B5AB1E0}"/>
+                  <a16:creationId xmlns:a16="http://schemas.microsoft.com/office/drawing/2014/main" id="{F8FA9566-99E6-40D4-96C1-E6A75F008780}"/>
                 </a:ext>
               </a:extLst>
             </p:cNvPr>
@@ -4567,97 +4552,12 @@
           </p:nvCxnSpPr>
           <p:spPr>
             <a:xfrm>
-              <a:off x="4043190" y="881349"/>
-              <a:ext cx="0" cy="5596569"/>
+              <a:off x="1667801" y="1870016"/>
+              <a:ext cx="0" cy="4430300"/>
             </a:xfrm>
             <a:prstGeom prst="line">
               <a:avLst/>
             </a:prstGeom>
-            <a:ln w="38100">
-              <a:prstDash val="sysDash"/>
-            </a:ln>
-          </p:spPr>
-          <p:style>
-            <a:lnRef idx="1">
-              <a:schemeClr val="dk1"/>
-            </a:lnRef>
-            <a:fillRef idx="0">
-              <a:schemeClr val="dk1"/>
-            </a:fillRef>
-            <a:effectRef idx="0">
-              <a:schemeClr val="dk1"/>
-            </a:effectRef>
-            <a:fontRef idx="minor">
-              <a:schemeClr val="tx1"/>
-            </a:fontRef>
-          </p:style>
-        </p:cxnSp>
-        <p:cxnSp>
-          <p:nvCxnSpPr>
-            <p:cNvPr id="37" name="직선 연결선 36">
-              <a:extLst>
-                <a:ext uri="{FF2B5EF4-FFF2-40B4-BE49-F238E27FC236}">
-                  <a16:creationId xmlns:a16="http://schemas.microsoft.com/office/drawing/2014/main" id="{E52345B2-BD04-4E57-9E01-B9D17B045AA7}"/>
-                </a:ext>
-              </a:extLst>
-            </p:cNvPr>
-            <p:cNvCxnSpPr>
-              <a:cxnSpLocks/>
-            </p:cNvCxnSpPr>
-            <p:nvPr/>
-          </p:nvCxnSpPr>
-          <p:spPr>
-            <a:xfrm>
-              <a:off x="8139629" y="881349"/>
-              <a:ext cx="0" cy="5596569"/>
-            </a:xfrm>
-            <a:prstGeom prst="line">
-              <a:avLst/>
-            </a:prstGeom>
-            <a:ln w="38100">
-              <a:prstDash val="sysDash"/>
-            </a:ln>
-          </p:spPr>
-          <p:style>
-            <a:lnRef idx="1">
-              <a:schemeClr val="dk1"/>
-            </a:lnRef>
-            <a:fillRef idx="0">
-              <a:schemeClr val="dk1"/>
-            </a:fillRef>
-            <a:effectRef idx="0">
-              <a:schemeClr val="dk1"/>
-            </a:effectRef>
-            <a:fontRef idx="minor">
-              <a:schemeClr val="tx1"/>
-            </a:fontRef>
-          </p:style>
-        </p:cxnSp>
-        <p:cxnSp>
-          <p:nvCxnSpPr>
-            <p:cNvPr id="41" name="직선 화살표 연결선 40">
-              <a:extLst>
-                <a:ext uri="{FF2B5EF4-FFF2-40B4-BE49-F238E27FC236}">
-                  <a16:creationId xmlns:a16="http://schemas.microsoft.com/office/drawing/2014/main" id="{EE96A62E-064A-4033-A88F-8BA5497EDE20}"/>
-                </a:ext>
-              </a:extLst>
-            </p:cNvPr>
-            <p:cNvCxnSpPr>
-              <a:cxnSpLocks/>
-            </p:cNvCxnSpPr>
-            <p:nvPr/>
-          </p:nvCxnSpPr>
-          <p:spPr>
-            <a:xfrm>
-              <a:off x="1382990" y="3897044"/>
-              <a:ext cx="1224930" cy="0"/>
-            </a:xfrm>
-            <a:prstGeom prst="straightConnector1">
-              <a:avLst/>
-            </a:prstGeom>
-            <a:ln>
-              <a:tailEnd type="triangle"/>
-            </a:ln>
           </p:spPr>
           <p:style>
             <a:lnRef idx="1">
@@ -4676,10 +4576,10 @@
         </p:cxnSp>
         <p:cxnSp>
           <p:nvCxnSpPr>
-            <p:cNvPr id="43" name="직선 화살표 연결선 42">
+            <p:cNvPr id="79" name="직선 연결선 78">
               <a:extLst>
                 <a:ext uri="{FF2B5EF4-FFF2-40B4-BE49-F238E27FC236}">
-                  <a16:creationId xmlns:a16="http://schemas.microsoft.com/office/drawing/2014/main" id="{4F64C1BA-8BFE-4EEE-8C72-72AF590641EE}"/>
+                  <a16:creationId xmlns:a16="http://schemas.microsoft.com/office/drawing/2014/main" id="{0D5A59BE-DD1A-47CC-91FC-C795A2CF2AD1}"/>
                 </a:ext>
               </a:extLst>
             </p:cNvPr>
@@ -4689,16 +4589,13 @@
             <p:nvPr/>
           </p:nvCxnSpPr>
           <p:spPr>
-            <a:xfrm flipH="1">
-              <a:off x="1382990" y="4656399"/>
-              <a:ext cx="1224929" cy="0"/>
+            <a:xfrm>
+              <a:off x="3677969" y="1870016"/>
+              <a:ext cx="0" cy="4430300"/>
             </a:xfrm>
-            <a:prstGeom prst="straightConnector1">
+            <a:prstGeom prst="line">
               <a:avLst/>
             </a:prstGeom>
-            <a:ln>
-              <a:tailEnd type="triangle"/>
-            </a:ln>
           </p:spPr>
           <p:style>
             <a:lnRef idx="1">
@@ -4715,604 +4612,443 @@
             </a:fontRef>
           </p:style>
         </p:cxnSp>
-        <p:sp>
-          <p:nvSpPr>
-            <p:cNvPr id="53" name="TextBox 52">
-              <a:extLst>
-                <a:ext uri="{FF2B5EF4-FFF2-40B4-BE49-F238E27FC236}">
-                  <a16:creationId xmlns:a16="http://schemas.microsoft.com/office/drawing/2014/main" id="{59DF31AC-09F0-4D6D-9D54-2A3C6CD336AF}"/>
-                </a:ext>
-              </a:extLst>
-            </p:cNvPr>
-            <p:cNvSpPr txBox="1"/>
-            <p:nvPr/>
-          </p:nvSpPr>
-          <p:spPr>
-            <a:xfrm>
-              <a:off x="1416815" y="3568667"/>
-              <a:ext cx="1284223" cy="338554"/>
-            </a:xfrm>
-            <a:prstGeom prst="rect">
-              <a:avLst/>
-            </a:prstGeom>
-            <a:noFill/>
-          </p:spPr>
-          <p:txBody>
-            <a:bodyPr wrap="square" rtlCol="0">
-              <a:spAutoFit/>
-            </a:bodyPr>
-            <a:lstStyle/>
-            <a:p>
-              <a:r>
-                <a:rPr lang="en-US" altLang="ko-KR" sz="1600" dirty="0"/>
-                <a:t>Command</a:t>
-              </a:r>
-              <a:endParaRPr lang="ko-KR" altLang="en-US" sz="1600" dirty="0"/>
-            </a:p>
-          </p:txBody>
-        </p:sp>
-        <p:sp>
-          <p:nvSpPr>
-            <p:cNvPr id="54" name="TextBox 53">
-              <a:extLst>
-                <a:ext uri="{FF2B5EF4-FFF2-40B4-BE49-F238E27FC236}">
-                  <a16:creationId xmlns:a16="http://schemas.microsoft.com/office/drawing/2014/main" id="{39CC96A4-429C-4097-9904-A995A4022A21}"/>
-                </a:ext>
-              </a:extLst>
-            </p:cNvPr>
-            <p:cNvSpPr txBox="1"/>
-            <p:nvPr/>
-          </p:nvSpPr>
-          <p:spPr>
-            <a:xfrm>
-              <a:off x="1471205" y="4060669"/>
-              <a:ext cx="1223396" cy="584775"/>
-            </a:xfrm>
-            <a:prstGeom prst="rect">
-              <a:avLst/>
-            </a:prstGeom>
-            <a:noFill/>
-          </p:spPr>
-          <p:txBody>
-            <a:bodyPr wrap="square" rtlCol="0">
-              <a:spAutoFit/>
-            </a:bodyPr>
-            <a:lstStyle/>
-            <a:p>
-              <a:r>
-                <a:rPr lang="en-US" altLang="ko-KR" sz="1600" dirty="0"/>
-                <a:t>Default Response</a:t>
-              </a:r>
-              <a:endParaRPr lang="ko-KR" altLang="en-US" sz="1600" dirty="0"/>
-            </a:p>
-          </p:txBody>
-        </p:sp>
-        <p:grpSp>
-          <p:nvGrpSpPr>
-            <p:cNvPr id="76" name="그룹 75">
-              <a:extLst>
-                <a:ext uri="{FF2B5EF4-FFF2-40B4-BE49-F238E27FC236}">
-                  <a16:creationId xmlns:a16="http://schemas.microsoft.com/office/drawing/2014/main" id="{E1F1F6CC-F270-4E16-9AFB-55D799213C1B}"/>
-                </a:ext>
-              </a:extLst>
-            </p:cNvPr>
-            <p:cNvGrpSpPr/>
-            <p:nvPr/>
-          </p:nvGrpSpPr>
-          <p:grpSpPr>
-            <a:xfrm>
-              <a:off x="4979710" y="2421348"/>
-              <a:ext cx="2239692" cy="3517130"/>
-              <a:chOff x="1102853" y="1027680"/>
-              <a:chExt cx="3139034" cy="5272636"/>
-            </a:xfrm>
-          </p:grpSpPr>
-          <p:grpSp>
-            <p:nvGrpSpPr>
-              <p:cNvPr id="77" name="그룹 76">
-                <a:extLst>
-                  <a:ext uri="{FF2B5EF4-FFF2-40B4-BE49-F238E27FC236}">
-                    <a16:creationId xmlns:a16="http://schemas.microsoft.com/office/drawing/2014/main" id="{12C524BA-C959-4FFB-8BD8-D40F1D9C5241}"/>
-                  </a:ext>
-                </a:extLst>
-              </p:cNvPr>
-              <p:cNvGrpSpPr/>
-              <p:nvPr/>
-            </p:nvGrpSpPr>
-            <p:grpSpPr>
-              <a:xfrm>
-                <a:off x="1102853" y="1027680"/>
-                <a:ext cx="3139034" cy="715217"/>
-                <a:chOff x="3317921" y="857359"/>
-                <a:chExt cx="3139034" cy="715217"/>
-              </a:xfrm>
-            </p:grpSpPr>
-            <p:sp>
-              <p:nvSpPr>
-                <p:cNvPr id="80" name="직사각형 79">
-                  <a:extLst>
-                    <a:ext uri="{FF2B5EF4-FFF2-40B4-BE49-F238E27FC236}">
-                      <a16:creationId xmlns:a16="http://schemas.microsoft.com/office/drawing/2014/main" id="{E8E79E30-0A84-4273-8AEB-9F10B223C24F}"/>
-                    </a:ext>
-                  </a:extLst>
-                </p:cNvPr>
-                <p:cNvSpPr/>
-                <p:nvPr/>
-              </p:nvSpPr>
-              <p:spPr>
-                <a:xfrm>
-                  <a:off x="3317921" y="857360"/>
-                  <a:ext cx="1123721" cy="715216"/>
-                </a:xfrm>
-                <a:prstGeom prst="rect">
-                  <a:avLst/>
-                </a:prstGeom>
-              </p:spPr>
-              <p:style>
-                <a:lnRef idx="2">
-                  <a:schemeClr val="accent1">
-                    <a:shade val="50000"/>
-                  </a:schemeClr>
-                </a:lnRef>
-                <a:fillRef idx="1">
-                  <a:schemeClr val="accent1"/>
-                </a:fillRef>
-                <a:effectRef idx="0">
-                  <a:schemeClr val="accent1"/>
-                </a:effectRef>
-                <a:fontRef idx="minor">
-                  <a:schemeClr val="lt1"/>
-                </a:fontRef>
-              </p:style>
-              <p:txBody>
-                <a:bodyPr rtlCol="0" anchor="ctr"/>
-                <a:lstStyle/>
-                <a:p>
-                  <a:pPr algn="ctr"/>
-                  <a:r>
-                    <a:rPr lang="en-US" altLang="ko-KR" sz="1400" dirty="0"/>
-                    <a:t>Hub</a:t>
-                  </a:r>
-                  <a:endParaRPr lang="ko-KR" altLang="en-US" sz="1400" dirty="0"/>
-                </a:p>
-              </p:txBody>
-            </p:sp>
-            <p:sp>
-              <p:nvSpPr>
-                <p:cNvPr id="81" name="직사각형 80">
-                  <a:extLst>
-                    <a:ext uri="{FF2B5EF4-FFF2-40B4-BE49-F238E27FC236}">
-                      <a16:creationId xmlns:a16="http://schemas.microsoft.com/office/drawing/2014/main" id="{971CA5A3-7926-4FDB-8BEE-60D79C468AA0}"/>
-                    </a:ext>
-                  </a:extLst>
-                </p:cNvPr>
-                <p:cNvSpPr/>
-                <p:nvPr/>
-              </p:nvSpPr>
-              <p:spPr>
-                <a:xfrm>
-                  <a:off x="5333232" y="857359"/>
-                  <a:ext cx="1123723" cy="715217"/>
-                </a:xfrm>
-                <a:prstGeom prst="rect">
-                  <a:avLst/>
-                </a:prstGeom>
-              </p:spPr>
-              <p:style>
-                <a:lnRef idx="2">
-                  <a:schemeClr val="accent1">
-                    <a:shade val="50000"/>
-                  </a:schemeClr>
-                </a:lnRef>
-                <a:fillRef idx="1">
-                  <a:schemeClr val="accent1"/>
-                </a:fillRef>
-                <a:effectRef idx="0">
-                  <a:schemeClr val="accent1"/>
-                </a:effectRef>
-                <a:fontRef idx="minor">
-                  <a:schemeClr val="lt1"/>
-                </a:fontRef>
-              </p:style>
-              <p:txBody>
-                <a:bodyPr rtlCol="0" anchor="ctr"/>
-                <a:lstStyle/>
-                <a:p>
-                  <a:pPr algn="ctr"/>
-                  <a:r>
-                    <a:rPr lang="en-US" altLang="ko-KR" sz="1400" dirty="0"/>
-                    <a:t>Device</a:t>
-                  </a:r>
-                  <a:endParaRPr lang="ko-KR" altLang="en-US" sz="1400" dirty="0"/>
-                </a:p>
-              </p:txBody>
-            </p:sp>
-          </p:grpSp>
-          <p:cxnSp>
-            <p:nvCxnSpPr>
-              <p:cNvPr id="78" name="직선 연결선 77">
-                <a:extLst>
-                  <a:ext uri="{FF2B5EF4-FFF2-40B4-BE49-F238E27FC236}">
-                    <a16:creationId xmlns:a16="http://schemas.microsoft.com/office/drawing/2014/main" id="{F8FA9566-99E6-40D4-96C1-E6A75F008780}"/>
-                  </a:ext>
-                </a:extLst>
-              </p:cNvPr>
-              <p:cNvCxnSpPr>
-                <a:cxnSpLocks/>
-              </p:cNvCxnSpPr>
-              <p:nvPr/>
-            </p:nvCxnSpPr>
-            <p:spPr>
-              <a:xfrm>
-                <a:off x="1667801" y="1870016"/>
-                <a:ext cx="0" cy="4430300"/>
-              </a:xfrm>
-              <a:prstGeom prst="line">
-                <a:avLst/>
-              </a:prstGeom>
-            </p:spPr>
-            <p:style>
-              <a:lnRef idx="1">
-                <a:schemeClr val="accent1"/>
-              </a:lnRef>
-              <a:fillRef idx="0">
-                <a:schemeClr val="accent1"/>
-              </a:fillRef>
-              <a:effectRef idx="0">
-                <a:schemeClr val="accent1"/>
-              </a:effectRef>
-              <a:fontRef idx="minor">
-                <a:schemeClr val="tx1"/>
-              </a:fontRef>
-            </p:style>
-          </p:cxnSp>
-          <p:cxnSp>
-            <p:nvCxnSpPr>
-              <p:cNvPr id="79" name="직선 연결선 78">
-                <a:extLst>
-                  <a:ext uri="{FF2B5EF4-FFF2-40B4-BE49-F238E27FC236}">
-                    <a16:creationId xmlns:a16="http://schemas.microsoft.com/office/drawing/2014/main" id="{0D5A59BE-DD1A-47CC-91FC-C795A2CF2AD1}"/>
-                  </a:ext>
-                </a:extLst>
-              </p:cNvPr>
-              <p:cNvCxnSpPr>
-                <a:cxnSpLocks/>
-              </p:cNvCxnSpPr>
-              <p:nvPr/>
-            </p:nvCxnSpPr>
-            <p:spPr>
-              <a:xfrm>
-                <a:off x="3677969" y="1870016"/>
-                <a:ext cx="0" cy="4430300"/>
-              </a:xfrm>
-              <a:prstGeom prst="line">
-                <a:avLst/>
-              </a:prstGeom>
-            </p:spPr>
-            <p:style>
-              <a:lnRef idx="1">
-                <a:schemeClr val="accent1"/>
-              </a:lnRef>
-              <a:fillRef idx="0">
-                <a:schemeClr val="accent1"/>
-              </a:fillRef>
-              <a:effectRef idx="0">
-                <a:schemeClr val="accent1"/>
-              </a:effectRef>
-              <a:fontRef idx="minor">
-                <a:schemeClr val="tx1"/>
-              </a:fontRef>
-            </p:style>
-          </p:cxnSp>
-        </p:grpSp>
-        <p:cxnSp>
-          <p:nvCxnSpPr>
-            <p:cNvPr id="82" name="직선 화살표 연결선 81">
-              <a:extLst>
-                <a:ext uri="{FF2B5EF4-FFF2-40B4-BE49-F238E27FC236}">
-                  <a16:creationId xmlns:a16="http://schemas.microsoft.com/office/drawing/2014/main" id="{2E6328D7-F83D-4F2D-89C3-ECB073FCAFFB}"/>
-                </a:ext>
-              </a:extLst>
-            </p:cNvPr>
-            <p:cNvCxnSpPr>
-              <a:cxnSpLocks/>
-            </p:cNvCxnSpPr>
-            <p:nvPr/>
-          </p:nvCxnSpPr>
-          <p:spPr>
-            <a:xfrm>
-              <a:off x="5515201" y="3447573"/>
-              <a:ext cx="1224930" cy="0"/>
-            </a:xfrm>
-            <a:prstGeom prst="straightConnector1">
-              <a:avLst/>
-            </a:prstGeom>
-            <a:ln>
-              <a:tailEnd type="triangle"/>
-            </a:ln>
-          </p:spPr>
-          <p:style>
-            <a:lnRef idx="1">
-              <a:schemeClr val="accent1"/>
-            </a:lnRef>
-            <a:fillRef idx="0">
-              <a:schemeClr val="accent1"/>
-            </a:fillRef>
-            <a:effectRef idx="0">
-              <a:schemeClr val="accent1"/>
-            </a:effectRef>
-            <a:fontRef idx="minor">
-              <a:schemeClr val="tx1"/>
-            </a:fontRef>
-          </p:style>
-        </p:cxnSp>
-        <p:cxnSp>
-          <p:nvCxnSpPr>
-            <p:cNvPr id="83" name="직선 화살표 연결선 82">
-              <a:extLst>
-                <a:ext uri="{FF2B5EF4-FFF2-40B4-BE49-F238E27FC236}">
-                  <a16:creationId xmlns:a16="http://schemas.microsoft.com/office/drawing/2014/main" id="{D5BCFF03-3B5B-48FB-B8B0-0C2D9CEC8704}"/>
-                </a:ext>
-              </a:extLst>
-            </p:cNvPr>
-            <p:cNvCxnSpPr>
-              <a:cxnSpLocks/>
-            </p:cNvCxnSpPr>
-            <p:nvPr/>
-          </p:nvCxnSpPr>
-          <p:spPr>
-            <a:xfrm flipH="1">
-              <a:off x="5460060" y="4178555"/>
-              <a:ext cx="1224929" cy="0"/>
-            </a:xfrm>
-            <a:prstGeom prst="straightConnector1">
-              <a:avLst/>
-            </a:prstGeom>
-            <a:ln>
-              <a:tailEnd type="triangle"/>
-            </a:ln>
-          </p:spPr>
-          <p:style>
-            <a:lnRef idx="1">
-              <a:schemeClr val="accent1"/>
-            </a:lnRef>
-            <a:fillRef idx="0">
-              <a:schemeClr val="accent1"/>
-            </a:fillRef>
-            <a:effectRef idx="0">
-              <a:schemeClr val="accent1"/>
-            </a:effectRef>
-            <a:fontRef idx="minor">
-              <a:schemeClr val="tx1"/>
-            </a:fontRef>
-          </p:style>
-        </p:cxnSp>
-        <p:sp>
-          <p:nvSpPr>
-            <p:cNvPr id="84" name="TextBox 83">
-              <a:extLst>
-                <a:ext uri="{FF2B5EF4-FFF2-40B4-BE49-F238E27FC236}">
-                  <a16:creationId xmlns:a16="http://schemas.microsoft.com/office/drawing/2014/main" id="{68B2A89A-3F2A-471E-A788-F44307413888}"/>
-                </a:ext>
-              </a:extLst>
-            </p:cNvPr>
-            <p:cNvSpPr txBox="1"/>
-            <p:nvPr/>
-          </p:nvSpPr>
-          <p:spPr>
-            <a:xfrm>
-              <a:off x="5515201" y="3118528"/>
-              <a:ext cx="1223396" cy="338554"/>
-            </a:xfrm>
-            <a:prstGeom prst="rect">
-              <a:avLst/>
-            </a:prstGeom>
-            <a:noFill/>
-          </p:spPr>
-          <p:txBody>
-            <a:bodyPr wrap="square" rtlCol="0">
-              <a:spAutoFit/>
-            </a:bodyPr>
-            <a:lstStyle/>
-            <a:p>
-              <a:r>
-                <a:rPr lang="en-US" altLang="ko-KR" sz="1600" dirty="0"/>
-                <a:t>Command</a:t>
-              </a:r>
-              <a:endParaRPr lang="ko-KR" altLang="en-US" sz="1600" dirty="0"/>
-            </a:p>
-          </p:txBody>
-        </p:sp>
-        <p:sp>
-          <p:nvSpPr>
-            <p:cNvPr id="85" name="TextBox 84">
-              <a:extLst>
-                <a:ext uri="{FF2B5EF4-FFF2-40B4-BE49-F238E27FC236}">
-                  <a16:creationId xmlns:a16="http://schemas.microsoft.com/office/drawing/2014/main" id="{24BA4CE9-8B8F-4B53-8147-D73CAE5847BB}"/>
-                </a:ext>
-              </a:extLst>
-            </p:cNvPr>
-            <p:cNvSpPr txBox="1"/>
-            <p:nvPr/>
-          </p:nvSpPr>
-          <p:spPr>
-            <a:xfrm>
-              <a:off x="5515201" y="3582790"/>
-              <a:ext cx="1223396" cy="584775"/>
-            </a:xfrm>
-            <a:prstGeom prst="rect">
-              <a:avLst/>
-            </a:prstGeom>
-            <a:noFill/>
-          </p:spPr>
-          <p:txBody>
-            <a:bodyPr wrap="square" rtlCol="0">
-              <a:spAutoFit/>
-            </a:bodyPr>
-            <a:lstStyle/>
-            <a:p>
-              <a:r>
-                <a:rPr lang="en-US" altLang="ko-KR" sz="1600" dirty="0"/>
-                <a:t>Default Response</a:t>
-              </a:r>
-              <a:endParaRPr lang="ko-KR" altLang="en-US" sz="1600" dirty="0"/>
-            </a:p>
-          </p:txBody>
-        </p:sp>
-        <p:cxnSp>
-          <p:nvCxnSpPr>
-            <p:cNvPr id="86" name="직선 화살표 연결선 85">
-              <a:extLst>
-                <a:ext uri="{FF2B5EF4-FFF2-40B4-BE49-F238E27FC236}">
-                  <a16:creationId xmlns:a16="http://schemas.microsoft.com/office/drawing/2014/main" id="{9AF77CD8-D5E2-41EC-9117-20A045AFB074}"/>
-                </a:ext>
-              </a:extLst>
-            </p:cNvPr>
-            <p:cNvCxnSpPr>
-              <a:cxnSpLocks/>
-            </p:cNvCxnSpPr>
-            <p:nvPr/>
-          </p:nvCxnSpPr>
-          <p:spPr>
-            <a:xfrm>
-              <a:off x="5465444" y="4931962"/>
-              <a:ext cx="1224930" cy="0"/>
-            </a:xfrm>
-            <a:prstGeom prst="straightConnector1">
-              <a:avLst/>
-            </a:prstGeom>
-            <a:ln>
-              <a:tailEnd type="triangle"/>
-            </a:ln>
-          </p:spPr>
-          <p:style>
-            <a:lnRef idx="1">
-              <a:schemeClr val="accent1"/>
-            </a:lnRef>
-            <a:fillRef idx="0">
-              <a:schemeClr val="accent1"/>
-            </a:fillRef>
-            <a:effectRef idx="0">
-              <a:schemeClr val="accent1"/>
-            </a:effectRef>
-            <a:fontRef idx="minor">
-              <a:schemeClr val="tx1"/>
-            </a:fontRef>
-          </p:style>
-        </p:cxnSp>
-        <p:cxnSp>
-          <p:nvCxnSpPr>
-            <p:cNvPr id="87" name="직선 화살표 연결선 86">
-              <a:extLst>
-                <a:ext uri="{FF2B5EF4-FFF2-40B4-BE49-F238E27FC236}">
-                  <a16:creationId xmlns:a16="http://schemas.microsoft.com/office/drawing/2014/main" id="{F59E54D4-3320-4AF2-9910-EEAC33B7CA83}"/>
-                </a:ext>
-              </a:extLst>
-            </p:cNvPr>
-            <p:cNvCxnSpPr>
-              <a:cxnSpLocks/>
-            </p:cNvCxnSpPr>
-            <p:nvPr/>
-          </p:nvCxnSpPr>
-          <p:spPr>
-            <a:xfrm flipH="1">
-              <a:off x="5465444" y="5720206"/>
-              <a:ext cx="1224929" cy="0"/>
-            </a:xfrm>
-            <a:prstGeom prst="straightConnector1">
-              <a:avLst/>
-            </a:prstGeom>
-            <a:ln>
-              <a:tailEnd type="triangle"/>
-            </a:ln>
-          </p:spPr>
-          <p:style>
-            <a:lnRef idx="1">
-              <a:schemeClr val="accent1"/>
-            </a:lnRef>
-            <a:fillRef idx="0">
-              <a:schemeClr val="accent1"/>
-            </a:fillRef>
-            <a:effectRef idx="0">
-              <a:schemeClr val="accent1"/>
-            </a:effectRef>
-            <a:fontRef idx="minor">
-              <a:schemeClr val="tx1"/>
-            </a:fontRef>
-          </p:style>
-        </p:cxnSp>
-        <p:sp>
-          <p:nvSpPr>
-            <p:cNvPr id="88" name="TextBox 87">
-              <a:extLst>
-                <a:ext uri="{FF2B5EF4-FFF2-40B4-BE49-F238E27FC236}">
-                  <a16:creationId xmlns:a16="http://schemas.microsoft.com/office/drawing/2014/main" id="{B1184D01-342D-4441-B82A-35217B6A5E80}"/>
-                </a:ext>
-              </a:extLst>
-            </p:cNvPr>
-            <p:cNvSpPr txBox="1"/>
-            <p:nvPr/>
-          </p:nvSpPr>
-          <p:spPr>
-            <a:xfrm>
-              <a:off x="5486346" y="4324762"/>
-              <a:ext cx="1223396" cy="584775"/>
-            </a:xfrm>
-            <a:prstGeom prst="rect">
-              <a:avLst/>
-            </a:prstGeom>
-            <a:noFill/>
-          </p:spPr>
-          <p:txBody>
-            <a:bodyPr wrap="square" rtlCol="0">
-              <a:spAutoFit/>
-            </a:bodyPr>
-            <a:lstStyle/>
-            <a:p>
-              <a:r>
-                <a:rPr lang="en-US" altLang="ko-KR" sz="1600" dirty="0"/>
-                <a:t>Read attributes</a:t>
-              </a:r>
-              <a:endParaRPr lang="ko-KR" altLang="en-US" sz="1600" dirty="0"/>
-            </a:p>
-          </p:txBody>
-        </p:sp>
-        <p:sp>
-          <p:nvSpPr>
-            <p:cNvPr id="89" name="TextBox 88">
-              <a:extLst>
-                <a:ext uri="{FF2B5EF4-FFF2-40B4-BE49-F238E27FC236}">
-                  <a16:creationId xmlns:a16="http://schemas.microsoft.com/office/drawing/2014/main" id="{E477E270-4312-4B82-B5B1-13776E0996F6}"/>
-                </a:ext>
-              </a:extLst>
-            </p:cNvPr>
-            <p:cNvSpPr txBox="1"/>
-            <p:nvPr/>
-          </p:nvSpPr>
-          <p:spPr>
-            <a:xfrm>
-              <a:off x="5474228" y="5085837"/>
-              <a:ext cx="1223396" cy="584775"/>
-            </a:xfrm>
-            <a:prstGeom prst="rect">
-              <a:avLst/>
-            </a:prstGeom>
-            <a:noFill/>
-          </p:spPr>
-          <p:txBody>
-            <a:bodyPr wrap="square" rtlCol="0">
-              <a:spAutoFit/>
-            </a:bodyPr>
-            <a:lstStyle/>
-            <a:p>
-              <a:r>
-                <a:rPr lang="en-US" altLang="ko-KR" sz="1600" dirty="0"/>
-                <a:t>Default Response</a:t>
-              </a:r>
-              <a:endParaRPr lang="ko-KR" altLang="en-US" sz="1600" dirty="0"/>
-            </a:p>
-          </p:txBody>
-        </p:sp>
+      </p:grpSp>
+      <p:cxnSp>
+        <p:nvCxnSpPr>
+          <p:cNvPr id="82" name="직선 화살표 연결선 81">
+            <a:extLst>
+              <a:ext uri="{FF2B5EF4-FFF2-40B4-BE49-F238E27FC236}">
+                <a16:creationId xmlns:a16="http://schemas.microsoft.com/office/drawing/2014/main" id="{2E6328D7-F83D-4F2D-89C3-ECB073FCAFFB}"/>
+              </a:ext>
+            </a:extLst>
+          </p:cNvPr>
+          <p:cNvCxnSpPr>
+            <a:cxnSpLocks/>
+          </p:cNvCxnSpPr>
+          <p:nvPr/>
+        </p:nvCxnSpPr>
+        <p:spPr>
+          <a:xfrm>
+            <a:off x="5515201" y="3537339"/>
+            <a:ext cx="1224930" cy="0"/>
+          </a:xfrm>
+          <a:prstGeom prst="straightConnector1">
+            <a:avLst/>
+          </a:prstGeom>
+          <a:ln>
+            <a:tailEnd type="triangle"/>
+          </a:ln>
+        </p:spPr>
+        <p:style>
+          <a:lnRef idx="1">
+            <a:schemeClr val="accent1"/>
+          </a:lnRef>
+          <a:fillRef idx="0">
+            <a:schemeClr val="accent1"/>
+          </a:fillRef>
+          <a:effectRef idx="0">
+            <a:schemeClr val="accent1"/>
+          </a:effectRef>
+          <a:fontRef idx="minor">
+            <a:schemeClr val="tx1"/>
+          </a:fontRef>
+        </p:style>
+      </p:cxnSp>
+      <p:cxnSp>
+        <p:nvCxnSpPr>
+          <p:cNvPr id="83" name="직선 화살표 연결선 82">
+            <a:extLst>
+              <a:ext uri="{FF2B5EF4-FFF2-40B4-BE49-F238E27FC236}">
+                <a16:creationId xmlns:a16="http://schemas.microsoft.com/office/drawing/2014/main" id="{D5BCFF03-3B5B-48FB-B8B0-0C2D9CEC8704}"/>
+              </a:ext>
+            </a:extLst>
+          </p:cNvPr>
+          <p:cNvCxnSpPr>
+            <a:cxnSpLocks/>
+          </p:cNvCxnSpPr>
+          <p:nvPr/>
+        </p:nvCxnSpPr>
+        <p:spPr>
+          <a:xfrm flipH="1">
+            <a:off x="5460060" y="4268321"/>
+            <a:ext cx="1224929" cy="0"/>
+          </a:xfrm>
+          <a:prstGeom prst="straightConnector1">
+            <a:avLst/>
+          </a:prstGeom>
+          <a:ln>
+            <a:tailEnd type="triangle"/>
+          </a:ln>
+        </p:spPr>
+        <p:style>
+          <a:lnRef idx="1">
+            <a:schemeClr val="accent1"/>
+          </a:lnRef>
+          <a:fillRef idx="0">
+            <a:schemeClr val="accent1"/>
+          </a:fillRef>
+          <a:effectRef idx="0">
+            <a:schemeClr val="accent1"/>
+          </a:effectRef>
+          <a:fontRef idx="minor">
+            <a:schemeClr val="tx1"/>
+          </a:fontRef>
+        </p:style>
+      </p:cxnSp>
+      <p:sp>
+        <p:nvSpPr>
+          <p:cNvPr id="84" name="TextBox 83">
+            <a:extLst>
+              <a:ext uri="{FF2B5EF4-FFF2-40B4-BE49-F238E27FC236}">
+                <a16:creationId xmlns:a16="http://schemas.microsoft.com/office/drawing/2014/main" id="{68B2A89A-3F2A-471E-A788-F44307413888}"/>
+              </a:ext>
+            </a:extLst>
+          </p:cNvPr>
+          <p:cNvSpPr txBox="1"/>
+          <p:nvPr/>
+        </p:nvSpPr>
+        <p:spPr>
+          <a:xfrm>
+            <a:off x="5515201" y="3208294"/>
+            <a:ext cx="1223396" cy="338554"/>
+          </a:xfrm>
+          <a:prstGeom prst="rect">
+            <a:avLst/>
+          </a:prstGeom>
+          <a:noFill/>
+        </p:spPr>
+        <p:txBody>
+          <a:bodyPr wrap="square" rtlCol="0">
+            <a:spAutoFit/>
+          </a:bodyPr>
+          <a:lstStyle/>
+          <a:p>
+            <a:r>
+              <a:rPr lang="en-US" altLang="ko-KR" sz="1600" dirty="0"/>
+              <a:t>Command</a:t>
+            </a:r>
+            <a:endParaRPr lang="ko-KR" altLang="en-US" sz="1600" dirty="0"/>
+          </a:p>
+        </p:txBody>
+      </p:sp>
+      <p:sp>
+        <p:nvSpPr>
+          <p:cNvPr id="85" name="TextBox 84">
+            <a:extLst>
+              <a:ext uri="{FF2B5EF4-FFF2-40B4-BE49-F238E27FC236}">
+                <a16:creationId xmlns:a16="http://schemas.microsoft.com/office/drawing/2014/main" id="{24BA4CE9-8B8F-4B53-8147-D73CAE5847BB}"/>
+              </a:ext>
+            </a:extLst>
+          </p:cNvPr>
+          <p:cNvSpPr txBox="1"/>
+          <p:nvPr/>
+        </p:nvSpPr>
+        <p:spPr>
+          <a:xfrm>
+            <a:off x="5515201" y="3672556"/>
+            <a:ext cx="1223396" cy="584775"/>
+          </a:xfrm>
+          <a:prstGeom prst="rect">
+            <a:avLst/>
+          </a:prstGeom>
+          <a:noFill/>
+        </p:spPr>
+        <p:txBody>
+          <a:bodyPr wrap="square" rtlCol="0">
+            <a:spAutoFit/>
+          </a:bodyPr>
+          <a:lstStyle/>
+          <a:p>
+            <a:r>
+              <a:rPr lang="en-US" altLang="ko-KR" sz="1600" dirty="0"/>
+              <a:t>Default Response</a:t>
+            </a:r>
+            <a:endParaRPr lang="ko-KR" altLang="en-US" sz="1600" dirty="0"/>
+          </a:p>
+        </p:txBody>
+      </p:sp>
+      <p:cxnSp>
+        <p:nvCxnSpPr>
+          <p:cNvPr id="86" name="직선 화살표 연결선 85">
+            <a:extLst>
+              <a:ext uri="{FF2B5EF4-FFF2-40B4-BE49-F238E27FC236}">
+                <a16:creationId xmlns:a16="http://schemas.microsoft.com/office/drawing/2014/main" id="{9AF77CD8-D5E2-41EC-9117-20A045AFB074}"/>
+              </a:ext>
+            </a:extLst>
+          </p:cNvPr>
+          <p:cNvCxnSpPr>
+            <a:cxnSpLocks/>
+          </p:cNvCxnSpPr>
+          <p:nvPr/>
+        </p:nvCxnSpPr>
+        <p:spPr>
+          <a:xfrm>
+            <a:off x="5465444" y="5021728"/>
+            <a:ext cx="1224930" cy="0"/>
+          </a:xfrm>
+          <a:prstGeom prst="straightConnector1">
+            <a:avLst/>
+          </a:prstGeom>
+          <a:ln>
+            <a:tailEnd type="triangle"/>
+          </a:ln>
+        </p:spPr>
+        <p:style>
+          <a:lnRef idx="1">
+            <a:schemeClr val="accent1"/>
+          </a:lnRef>
+          <a:fillRef idx="0">
+            <a:schemeClr val="accent1"/>
+          </a:fillRef>
+          <a:effectRef idx="0">
+            <a:schemeClr val="accent1"/>
+          </a:effectRef>
+          <a:fontRef idx="minor">
+            <a:schemeClr val="tx1"/>
+          </a:fontRef>
+        </p:style>
+      </p:cxnSp>
+      <p:cxnSp>
+        <p:nvCxnSpPr>
+          <p:cNvPr id="87" name="직선 화살표 연결선 86">
+            <a:extLst>
+              <a:ext uri="{FF2B5EF4-FFF2-40B4-BE49-F238E27FC236}">
+                <a16:creationId xmlns:a16="http://schemas.microsoft.com/office/drawing/2014/main" id="{F59E54D4-3320-4AF2-9910-EEAC33B7CA83}"/>
+              </a:ext>
+            </a:extLst>
+          </p:cNvPr>
+          <p:cNvCxnSpPr>
+            <a:cxnSpLocks/>
+          </p:cNvCxnSpPr>
+          <p:nvPr/>
+        </p:nvCxnSpPr>
+        <p:spPr>
+          <a:xfrm flipH="1">
+            <a:off x="5465444" y="5809972"/>
+            <a:ext cx="1224929" cy="0"/>
+          </a:xfrm>
+          <a:prstGeom prst="straightConnector1">
+            <a:avLst/>
+          </a:prstGeom>
+          <a:ln>
+            <a:tailEnd type="triangle"/>
+          </a:ln>
+        </p:spPr>
+        <p:style>
+          <a:lnRef idx="1">
+            <a:schemeClr val="accent1"/>
+          </a:lnRef>
+          <a:fillRef idx="0">
+            <a:schemeClr val="accent1"/>
+          </a:fillRef>
+          <a:effectRef idx="0">
+            <a:schemeClr val="accent1"/>
+          </a:effectRef>
+          <a:fontRef idx="minor">
+            <a:schemeClr val="tx1"/>
+          </a:fontRef>
+        </p:style>
+      </p:cxnSp>
+      <p:sp>
+        <p:nvSpPr>
+          <p:cNvPr id="88" name="TextBox 87">
+            <a:extLst>
+              <a:ext uri="{FF2B5EF4-FFF2-40B4-BE49-F238E27FC236}">
+                <a16:creationId xmlns:a16="http://schemas.microsoft.com/office/drawing/2014/main" id="{B1184D01-342D-4441-B82A-35217B6A5E80}"/>
+              </a:ext>
+            </a:extLst>
+          </p:cNvPr>
+          <p:cNvSpPr txBox="1"/>
+          <p:nvPr/>
+        </p:nvSpPr>
+        <p:spPr>
+          <a:xfrm>
+            <a:off x="5486346" y="4414528"/>
+            <a:ext cx="1223396" cy="584775"/>
+          </a:xfrm>
+          <a:prstGeom prst="rect">
+            <a:avLst/>
+          </a:prstGeom>
+          <a:noFill/>
+        </p:spPr>
+        <p:txBody>
+          <a:bodyPr wrap="square" rtlCol="0">
+            <a:spAutoFit/>
+          </a:bodyPr>
+          <a:lstStyle/>
+          <a:p>
+            <a:r>
+              <a:rPr lang="en-US" altLang="ko-KR" sz="1600" dirty="0"/>
+              <a:t>Read attributes</a:t>
+            </a:r>
+            <a:endParaRPr lang="ko-KR" altLang="en-US" sz="1600" dirty="0"/>
+          </a:p>
+        </p:txBody>
+      </p:sp>
+      <p:sp>
+        <p:nvSpPr>
+          <p:cNvPr id="89" name="TextBox 88">
+            <a:extLst>
+              <a:ext uri="{FF2B5EF4-FFF2-40B4-BE49-F238E27FC236}">
+                <a16:creationId xmlns:a16="http://schemas.microsoft.com/office/drawing/2014/main" id="{E477E270-4312-4B82-B5B1-13776E0996F6}"/>
+              </a:ext>
+            </a:extLst>
+          </p:cNvPr>
+          <p:cNvSpPr txBox="1"/>
+          <p:nvPr/>
+        </p:nvSpPr>
+        <p:spPr>
+          <a:xfrm>
+            <a:off x="5474228" y="5175603"/>
+            <a:ext cx="1223396" cy="584775"/>
+          </a:xfrm>
+          <a:prstGeom prst="rect">
+            <a:avLst/>
+          </a:prstGeom>
+          <a:noFill/>
+        </p:spPr>
+        <p:txBody>
+          <a:bodyPr wrap="square" rtlCol="0">
+            <a:spAutoFit/>
+          </a:bodyPr>
+          <a:lstStyle/>
+          <a:p>
+            <a:r>
+              <a:rPr lang="en-US" altLang="ko-KR" sz="1600" dirty="0"/>
+              <a:t>Default Response</a:t>
+            </a:r>
+            <a:endParaRPr lang="ko-KR" altLang="en-US" sz="1600" dirty="0"/>
+          </a:p>
+        </p:txBody>
+      </p:sp>
+      <p:sp>
+        <p:nvSpPr>
+          <p:cNvPr id="44" name="TextBox 43">
+            <a:extLst>
+              <a:ext uri="{FF2B5EF4-FFF2-40B4-BE49-F238E27FC236}">
+                <a16:creationId xmlns:a16="http://schemas.microsoft.com/office/drawing/2014/main" id="{6ABCE626-DC66-4CDA-9B66-915DB4380C30}"/>
+              </a:ext>
+            </a:extLst>
+          </p:cNvPr>
+          <p:cNvSpPr txBox="1"/>
+          <p:nvPr/>
+        </p:nvSpPr>
+        <p:spPr>
+          <a:xfrm>
+            <a:off x="997753" y="1486894"/>
+            <a:ext cx="1723549" cy="461665"/>
+          </a:xfrm>
+          <a:prstGeom prst="rect">
+            <a:avLst/>
+          </a:prstGeom>
+          <a:noFill/>
+        </p:spPr>
+        <p:txBody>
+          <a:bodyPr wrap="none" rtlCol="0">
+            <a:spAutoFit/>
+          </a:bodyPr>
+          <a:lstStyle/>
+          <a:p>
+            <a:r>
+              <a:rPr lang="en-US" altLang="ko-KR" sz="2400" b="1" dirty="0"/>
+              <a:t>(1) On/Off</a:t>
+            </a:r>
+            <a:endParaRPr lang="ko-KR" altLang="en-US" sz="2400" b="1" dirty="0"/>
+          </a:p>
+        </p:txBody>
+      </p:sp>
+      <p:sp>
+        <p:nvSpPr>
+          <p:cNvPr id="45" name="TextBox 44">
+            <a:extLst>
+              <a:ext uri="{FF2B5EF4-FFF2-40B4-BE49-F238E27FC236}">
+                <a16:creationId xmlns:a16="http://schemas.microsoft.com/office/drawing/2014/main" id="{1B24D4A1-1ED8-451B-A280-B3C5FD1CF840}"/>
+              </a:ext>
+            </a:extLst>
+          </p:cNvPr>
+          <p:cNvSpPr txBox="1"/>
+          <p:nvPr/>
+        </p:nvSpPr>
+        <p:spPr>
+          <a:xfrm>
+            <a:off x="4700433" y="1486894"/>
+            <a:ext cx="2630977" cy="461665"/>
+          </a:xfrm>
+          <a:prstGeom prst="rect">
+            <a:avLst/>
+          </a:prstGeom>
+          <a:noFill/>
+        </p:spPr>
+        <p:txBody>
+          <a:bodyPr wrap="none" rtlCol="0">
+            <a:spAutoFit/>
+          </a:bodyPr>
+          <a:lstStyle/>
+          <a:p>
+            <a:r>
+              <a:rPr lang="en-US" altLang="ko-KR" sz="2400" b="1" dirty="0"/>
+              <a:t>(2) Color control</a:t>
+            </a:r>
+            <a:endParaRPr lang="ko-KR" altLang="en-US" sz="2400" b="1" dirty="0"/>
+          </a:p>
+        </p:txBody>
+      </p:sp>
+      <p:sp>
+        <p:nvSpPr>
+          <p:cNvPr id="46" name="TextBox 45">
+            <a:extLst>
+              <a:ext uri="{FF2B5EF4-FFF2-40B4-BE49-F238E27FC236}">
+                <a16:creationId xmlns:a16="http://schemas.microsoft.com/office/drawing/2014/main" id="{BC834739-7106-47E7-9071-B2F716F07590}"/>
+              </a:ext>
+            </a:extLst>
+          </p:cNvPr>
+          <p:cNvSpPr txBox="1"/>
+          <p:nvPr/>
+        </p:nvSpPr>
+        <p:spPr>
+          <a:xfrm>
+            <a:off x="8796872" y="1486894"/>
+            <a:ext cx="2589170" cy="461665"/>
+          </a:xfrm>
+          <a:prstGeom prst="rect">
+            <a:avLst/>
+          </a:prstGeom>
+          <a:noFill/>
+        </p:spPr>
+        <p:txBody>
+          <a:bodyPr wrap="none" rtlCol="0">
+            <a:spAutoFit/>
+          </a:bodyPr>
+          <a:lstStyle/>
+          <a:p>
+            <a:r>
+              <a:rPr lang="en-US" altLang="ko-KR" sz="2400" b="1" dirty="0"/>
+              <a:t>(3) Level control</a:t>
+            </a:r>
+            <a:endParaRPr lang="ko-KR" altLang="en-US" sz="2400" b="1" dirty="0"/>
+          </a:p>
+        </p:txBody>
+      </p:sp>
+      <p:grpSp>
+        <p:nvGrpSpPr>
+          <p:cNvPr id="2" name="그룹 1">
+            <a:extLst>
+              <a:ext uri="{FF2B5EF4-FFF2-40B4-BE49-F238E27FC236}">
+                <a16:creationId xmlns:a16="http://schemas.microsoft.com/office/drawing/2014/main" id="{E2C38FA3-3699-4A38-BEF3-0D548164E1A3}"/>
+              </a:ext>
+            </a:extLst>
+          </p:cNvPr>
+          <p:cNvGrpSpPr/>
+          <p:nvPr/>
+        </p:nvGrpSpPr>
+        <p:grpSpPr>
+          <a:xfrm>
+            <a:off x="8978833" y="2323324"/>
+            <a:ext cx="2239692" cy="4244360"/>
+            <a:chOff x="8978833" y="2323324"/>
+            <a:chExt cx="2239692" cy="4244360"/>
+          </a:xfrm>
+        </p:grpSpPr>
         <p:grpSp>
           <p:nvGrpSpPr>
             <p:cNvPr id="90" name="그룹 89">
@@ -5327,7 +5063,7 @@
           </p:nvGrpSpPr>
           <p:grpSpPr>
             <a:xfrm>
-              <a:off x="8978833" y="2233558"/>
+              <a:off x="8978833" y="2323324"/>
               <a:ext cx="2239692" cy="4244360"/>
               <a:chOff x="1102853" y="1027680"/>
               <a:chExt cx="3139034" cy="6362849"/>
@@ -5547,7 +5283,7 @@
           </p:nvCxnSpPr>
           <p:spPr>
             <a:xfrm>
-              <a:off x="9482658" y="3265771"/>
+              <a:off x="9482658" y="3355537"/>
               <a:ext cx="1224930" cy="0"/>
             </a:xfrm>
             <a:prstGeom prst="straightConnector1">
@@ -5588,7 +5324,7 @@
           </p:nvCxnSpPr>
           <p:spPr>
             <a:xfrm flipH="1">
-              <a:off x="9464566" y="4011588"/>
+              <a:off x="9464566" y="4101354"/>
               <a:ext cx="1224929" cy="0"/>
             </a:xfrm>
             <a:prstGeom prst="straightConnector1">
@@ -5627,7 +5363,7 @@
           </p:nvSpPr>
           <p:spPr>
             <a:xfrm>
-              <a:off x="9479759" y="2928547"/>
+              <a:off x="9479759" y="3018313"/>
               <a:ext cx="1223396" cy="338554"/>
             </a:xfrm>
             <a:prstGeom prst="rect">
@@ -5663,7 +5399,7 @@
           </p:nvSpPr>
           <p:spPr>
             <a:xfrm>
-              <a:off x="9469450" y="3386422"/>
+              <a:off x="9469450" y="3476188"/>
               <a:ext cx="1251345" cy="584775"/>
             </a:xfrm>
             <a:prstGeom prst="rect">
@@ -5701,7 +5437,7 @@
           </p:nvCxnSpPr>
           <p:spPr>
             <a:xfrm>
-              <a:off x="9464567" y="5494703"/>
+              <a:off x="9464567" y="5584469"/>
               <a:ext cx="1224930" cy="0"/>
             </a:xfrm>
             <a:prstGeom prst="straightConnector1">
@@ -5742,7 +5478,7 @@
           </p:nvCxnSpPr>
           <p:spPr>
             <a:xfrm flipH="1">
-              <a:off x="9464566" y="4768772"/>
+              <a:off x="9464566" y="4858538"/>
               <a:ext cx="1224929" cy="0"/>
             </a:xfrm>
             <a:prstGeom prst="straightConnector1">
@@ -5781,7 +5517,7 @@
           </p:nvSpPr>
           <p:spPr>
             <a:xfrm>
-              <a:off x="9485469" y="4143357"/>
+              <a:off x="9485469" y="4233123"/>
               <a:ext cx="1223396" cy="584775"/>
             </a:xfrm>
             <a:prstGeom prst="rect">
@@ -5817,7 +5553,7 @@
           </p:nvSpPr>
           <p:spPr>
             <a:xfrm>
-              <a:off x="9473351" y="4909928"/>
+              <a:off x="9473351" y="4999694"/>
               <a:ext cx="1223396" cy="584775"/>
             </a:xfrm>
             <a:prstGeom prst="rect">
@@ -5841,114 +5577,6 @@
         </p:sp>
         <p:sp>
           <p:nvSpPr>
-            <p:cNvPr id="44" name="TextBox 43">
-              <a:extLst>
-                <a:ext uri="{FF2B5EF4-FFF2-40B4-BE49-F238E27FC236}">
-                  <a16:creationId xmlns:a16="http://schemas.microsoft.com/office/drawing/2014/main" id="{6ABCE626-DC66-4CDA-9B66-915DB4380C30}"/>
-                </a:ext>
-              </a:extLst>
-            </p:cNvPr>
-            <p:cNvSpPr txBox="1"/>
-            <p:nvPr/>
-          </p:nvSpPr>
-          <p:spPr>
-            <a:xfrm>
-              <a:off x="997753" y="1397128"/>
-              <a:ext cx="1723549" cy="461665"/>
-            </a:xfrm>
-            <a:prstGeom prst="rect">
-              <a:avLst/>
-            </a:prstGeom>
-            <a:noFill/>
-          </p:spPr>
-          <p:txBody>
-            <a:bodyPr wrap="none" rtlCol="0">
-              <a:spAutoFit/>
-            </a:bodyPr>
-            <a:lstStyle/>
-            <a:p>
-              <a:r>
-                <a:rPr lang="en-US" altLang="ko-KR" sz="2400" b="1" dirty="0"/>
-                <a:t>(1) On/Off</a:t>
-              </a:r>
-              <a:endParaRPr lang="ko-KR" altLang="en-US" sz="2400" b="1" dirty="0"/>
-            </a:p>
-          </p:txBody>
-        </p:sp>
-        <p:sp>
-          <p:nvSpPr>
-            <p:cNvPr id="45" name="TextBox 44">
-              <a:extLst>
-                <a:ext uri="{FF2B5EF4-FFF2-40B4-BE49-F238E27FC236}">
-                  <a16:creationId xmlns:a16="http://schemas.microsoft.com/office/drawing/2014/main" id="{1B24D4A1-1ED8-451B-A280-B3C5FD1CF840}"/>
-                </a:ext>
-              </a:extLst>
-            </p:cNvPr>
-            <p:cNvSpPr txBox="1"/>
-            <p:nvPr/>
-          </p:nvSpPr>
-          <p:spPr>
-            <a:xfrm>
-              <a:off x="4700433" y="1397128"/>
-              <a:ext cx="2630977" cy="461665"/>
-            </a:xfrm>
-            <a:prstGeom prst="rect">
-              <a:avLst/>
-            </a:prstGeom>
-            <a:noFill/>
-          </p:spPr>
-          <p:txBody>
-            <a:bodyPr wrap="none" rtlCol="0">
-              <a:spAutoFit/>
-            </a:bodyPr>
-            <a:lstStyle/>
-            <a:p>
-              <a:r>
-                <a:rPr lang="en-US" altLang="ko-KR" sz="2400" b="1" dirty="0"/>
-                <a:t>(2) Color control</a:t>
-              </a:r>
-              <a:endParaRPr lang="ko-KR" altLang="en-US" sz="2400" b="1" dirty="0"/>
-            </a:p>
-          </p:txBody>
-        </p:sp>
-        <p:sp>
-          <p:nvSpPr>
-            <p:cNvPr id="46" name="TextBox 45">
-              <a:extLst>
-                <a:ext uri="{FF2B5EF4-FFF2-40B4-BE49-F238E27FC236}">
-                  <a16:creationId xmlns:a16="http://schemas.microsoft.com/office/drawing/2014/main" id="{BC834739-7106-47E7-9071-B2F716F07590}"/>
-                </a:ext>
-              </a:extLst>
-            </p:cNvPr>
-            <p:cNvSpPr txBox="1"/>
-            <p:nvPr/>
-          </p:nvSpPr>
-          <p:spPr>
-            <a:xfrm>
-              <a:off x="8796872" y="1397128"/>
-              <a:ext cx="2589170" cy="461665"/>
-            </a:xfrm>
-            <a:prstGeom prst="rect">
-              <a:avLst/>
-            </a:prstGeom>
-            <a:noFill/>
-          </p:spPr>
-          <p:txBody>
-            <a:bodyPr wrap="none" rtlCol="0">
-              <a:spAutoFit/>
-            </a:bodyPr>
-            <a:lstStyle/>
-            <a:p>
-              <a:r>
-                <a:rPr lang="en-US" altLang="ko-KR" sz="2400" b="1" dirty="0"/>
-                <a:t>(3) Level control</a:t>
-              </a:r>
-              <a:endParaRPr lang="ko-KR" altLang="en-US" sz="2400" b="1" dirty="0"/>
-            </a:p>
-          </p:txBody>
-        </p:sp>
-        <p:sp>
-          <p:nvSpPr>
             <p:cNvPr id="52" name="TextBox 51">
               <a:extLst>
                 <a:ext uri="{FF2B5EF4-FFF2-40B4-BE49-F238E27FC236}">
@@ -5961,7 +5589,7 @@
           </p:nvSpPr>
           <p:spPr>
             <a:xfrm>
-              <a:off x="9482946" y="5621724"/>
+              <a:off x="9482946" y="5711490"/>
               <a:ext cx="1223396" cy="584775"/>
             </a:xfrm>
             <a:prstGeom prst="rect">
@@ -5999,7 +5627,7 @@
           </p:nvCxnSpPr>
           <p:spPr>
             <a:xfrm flipH="1">
-              <a:off x="9464565" y="6255436"/>
+              <a:off x="9464565" y="6345202"/>
               <a:ext cx="1224929" cy="0"/>
             </a:xfrm>
             <a:prstGeom prst="straightConnector1">
@@ -6085,6 +5713,630 @@
           </a:p>
         </p:txBody>
       </p:sp>
+      <p:grpSp>
+        <p:nvGrpSpPr>
+          <p:cNvPr id="51" name="그룹 50">
+            <a:extLst>
+              <a:ext uri="{FF2B5EF4-FFF2-40B4-BE49-F238E27FC236}">
+                <a16:creationId xmlns:a16="http://schemas.microsoft.com/office/drawing/2014/main" id="{9A00D0B8-D376-4E6D-988A-5C3FC955B008}"/>
+              </a:ext>
+            </a:extLst>
+          </p:cNvPr>
+          <p:cNvGrpSpPr/>
+          <p:nvPr/>
+        </p:nvGrpSpPr>
+        <p:grpSpPr>
+          <a:xfrm>
+            <a:off x="865985" y="2323324"/>
+            <a:ext cx="2239692" cy="4244360"/>
+            <a:chOff x="8978833" y="2323324"/>
+            <a:chExt cx="2239692" cy="4244360"/>
+          </a:xfrm>
+        </p:grpSpPr>
+        <p:grpSp>
+          <p:nvGrpSpPr>
+            <p:cNvPr id="56" name="그룹 55">
+              <a:extLst>
+                <a:ext uri="{FF2B5EF4-FFF2-40B4-BE49-F238E27FC236}">
+                  <a16:creationId xmlns:a16="http://schemas.microsoft.com/office/drawing/2014/main" id="{468EFA96-587A-4497-A8D6-4C7D46D52B01}"/>
+                </a:ext>
+              </a:extLst>
+            </p:cNvPr>
+            <p:cNvGrpSpPr/>
+            <p:nvPr/>
+          </p:nvGrpSpPr>
+          <p:grpSpPr>
+            <a:xfrm>
+              <a:off x="8978833" y="2323324"/>
+              <a:ext cx="2239692" cy="4244360"/>
+              <a:chOff x="1102853" y="1027680"/>
+              <a:chExt cx="3139034" cy="6362849"/>
+            </a:xfrm>
+          </p:grpSpPr>
+          <p:grpSp>
+            <p:nvGrpSpPr>
+              <p:cNvPr id="67" name="그룹 66">
+                <a:extLst>
+                  <a:ext uri="{FF2B5EF4-FFF2-40B4-BE49-F238E27FC236}">
+                    <a16:creationId xmlns:a16="http://schemas.microsoft.com/office/drawing/2014/main" id="{8491304D-3B30-4B4D-8F9C-F36C549445BD}"/>
+                  </a:ext>
+                </a:extLst>
+              </p:cNvPr>
+              <p:cNvGrpSpPr/>
+              <p:nvPr/>
+            </p:nvGrpSpPr>
+            <p:grpSpPr>
+              <a:xfrm>
+                <a:off x="1102853" y="1027680"/>
+                <a:ext cx="3139034" cy="715217"/>
+                <a:chOff x="3317921" y="857359"/>
+                <a:chExt cx="3139034" cy="715217"/>
+              </a:xfrm>
+            </p:grpSpPr>
+            <p:sp>
+              <p:nvSpPr>
+                <p:cNvPr id="70" name="직사각형 69">
+                  <a:extLst>
+                    <a:ext uri="{FF2B5EF4-FFF2-40B4-BE49-F238E27FC236}">
+                      <a16:creationId xmlns:a16="http://schemas.microsoft.com/office/drawing/2014/main" id="{55B8AA57-EE59-414A-9D09-BA0683F700E7}"/>
+                    </a:ext>
+                  </a:extLst>
+                </p:cNvPr>
+                <p:cNvSpPr/>
+                <p:nvPr/>
+              </p:nvSpPr>
+              <p:spPr>
+                <a:xfrm>
+                  <a:off x="3317921" y="857360"/>
+                  <a:ext cx="1123721" cy="715216"/>
+                </a:xfrm>
+                <a:prstGeom prst="rect">
+                  <a:avLst/>
+                </a:prstGeom>
+              </p:spPr>
+              <p:style>
+                <a:lnRef idx="2">
+                  <a:schemeClr val="accent1">
+                    <a:shade val="50000"/>
+                  </a:schemeClr>
+                </a:lnRef>
+                <a:fillRef idx="1">
+                  <a:schemeClr val="accent1"/>
+                </a:fillRef>
+                <a:effectRef idx="0">
+                  <a:schemeClr val="accent1"/>
+                </a:effectRef>
+                <a:fontRef idx="minor">
+                  <a:schemeClr val="lt1"/>
+                </a:fontRef>
+              </p:style>
+              <p:txBody>
+                <a:bodyPr rtlCol="0" anchor="ctr"/>
+                <a:lstStyle/>
+                <a:p>
+                  <a:pPr algn="ctr"/>
+                  <a:r>
+                    <a:rPr lang="en-US" altLang="ko-KR" sz="1400" dirty="0"/>
+                    <a:t>Hub</a:t>
+                  </a:r>
+                  <a:endParaRPr lang="ko-KR" altLang="en-US" sz="1400" dirty="0"/>
+                </a:p>
+              </p:txBody>
+            </p:sp>
+            <p:sp>
+              <p:nvSpPr>
+                <p:cNvPr id="71" name="직사각형 70">
+                  <a:extLst>
+                    <a:ext uri="{FF2B5EF4-FFF2-40B4-BE49-F238E27FC236}">
+                      <a16:creationId xmlns:a16="http://schemas.microsoft.com/office/drawing/2014/main" id="{2DC9E540-DA21-4AE0-A6B1-19611DEF2BB4}"/>
+                    </a:ext>
+                  </a:extLst>
+                </p:cNvPr>
+                <p:cNvSpPr/>
+                <p:nvPr/>
+              </p:nvSpPr>
+              <p:spPr>
+                <a:xfrm>
+                  <a:off x="5333232" y="857359"/>
+                  <a:ext cx="1123723" cy="715217"/>
+                </a:xfrm>
+                <a:prstGeom prst="rect">
+                  <a:avLst/>
+                </a:prstGeom>
+              </p:spPr>
+              <p:style>
+                <a:lnRef idx="2">
+                  <a:schemeClr val="accent1">
+                    <a:shade val="50000"/>
+                  </a:schemeClr>
+                </a:lnRef>
+                <a:fillRef idx="1">
+                  <a:schemeClr val="accent1"/>
+                </a:fillRef>
+                <a:effectRef idx="0">
+                  <a:schemeClr val="accent1"/>
+                </a:effectRef>
+                <a:fontRef idx="minor">
+                  <a:schemeClr val="lt1"/>
+                </a:fontRef>
+              </p:style>
+              <p:txBody>
+                <a:bodyPr rtlCol="0" anchor="ctr"/>
+                <a:lstStyle/>
+                <a:p>
+                  <a:pPr algn="ctr"/>
+                  <a:r>
+                    <a:rPr lang="en-US" altLang="ko-KR" sz="1400" dirty="0"/>
+                    <a:t>Device</a:t>
+                  </a:r>
+                  <a:endParaRPr lang="ko-KR" altLang="en-US" sz="1400" dirty="0"/>
+                </a:p>
+              </p:txBody>
+            </p:sp>
+          </p:grpSp>
+          <p:cxnSp>
+            <p:nvCxnSpPr>
+              <p:cNvPr id="68" name="직선 연결선 67">
+                <a:extLst>
+                  <a:ext uri="{FF2B5EF4-FFF2-40B4-BE49-F238E27FC236}">
+                    <a16:creationId xmlns:a16="http://schemas.microsoft.com/office/drawing/2014/main" id="{A1562061-E3ED-413B-A123-D820CC7BFB42}"/>
+                  </a:ext>
+                </a:extLst>
+              </p:cNvPr>
+              <p:cNvCxnSpPr>
+                <a:cxnSpLocks/>
+              </p:cNvCxnSpPr>
+              <p:nvPr/>
+            </p:nvCxnSpPr>
+            <p:spPr>
+              <a:xfrm>
+                <a:off x="1667801" y="1870016"/>
+                <a:ext cx="0" cy="5520513"/>
+              </a:xfrm>
+              <a:prstGeom prst="line">
+                <a:avLst/>
+              </a:prstGeom>
+            </p:spPr>
+            <p:style>
+              <a:lnRef idx="1">
+                <a:schemeClr val="accent1"/>
+              </a:lnRef>
+              <a:fillRef idx="0">
+                <a:schemeClr val="accent1"/>
+              </a:fillRef>
+              <a:effectRef idx="0">
+                <a:schemeClr val="accent1"/>
+              </a:effectRef>
+              <a:fontRef idx="minor">
+                <a:schemeClr val="tx1"/>
+              </a:fontRef>
+            </p:style>
+          </p:cxnSp>
+          <p:cxnSp>
+            <p:nvCxnSpPr>
+              <p:cNvPr id="69" name="직선 연결선 68">
+                <a:extLst>
+                  <a:ext uri="{FF2B5EF4-FFF2-40B4-BE49-F238E27FC236}">
+                    <a16:creationId xmlns:a16="http://schemas.microsoft.com/office/drawing/2014/main" id="{C8A0B497-E86F-4C17-81FE-652D005496DD}"/>
+                  </a:ext>
+                </a:extLst>
+              </p:cNvPr>
+              <p:cNvCxnSpPr>
+                <a:cxnSpLocks/>
+              </p:cNvCxnSpPr>
+              <p:nvPr/>
+            </p:nvCxnSpPr>
+            <p:spPr>
+              <a:xfrm>
+                <a:off x="3703396" y="1872137"/>
+                <a:ext cx="0" cy="5518391"/>
+              </a:xfrm>
+              <a:prstGeom prst="line">
+                <a:avLst/>
+              </a:prstGeom>
+            </p:spPr>
+            <p:style>
+              <a:lnRef idx="1">
+                <a:schemeClr val="accent1"/>
+              </a:lnRef>
+              <a:fillRef idx="0">
+                <a:schemeClr val="accent1"/>
+              </a:fillRef>
+              <a:effectRef idx="0">
+                <a:schemeClr val="accent1"/>
+              </a:effectRef>
+              <a:fontRef idx="minor">
+                <a:schemeClr val="tx1"/>
+              </a:fontRef>
+            </p:style>
+          </p:cxnSp>
+        </p:grpSp>
+        <p:cxnSp>
+          <p:nvCxnSpPr>
+            <p:cNvPr id="57" name="직선 화살표 연결선 56">
+              <a:extLst>
+                <a:ext uri="{FF2B5EF4-FFF2-40B4-BE49-F238E27FC236}">
+                  <a16:creationId xmlns:a16="http://schemas.microsoft.com/office/drawing/2014/main" id="{70B6AA04-3BAD-48EB-854C-80BDEB3A5587}"/>
+                </a:ext>
+              </a:extLst>
+            </p:cNvPr>
+            <p:cNvCxnSpPr>
+              <a:cxnSpLocks/>
+            </p:cNvCxnSpPr>
+            <p:nvPr/>
+          </p:nvCxnSpPr>
+          <p:spPr>
+            <a:xfrm>
+              <a:off x="9482658" y="3355537"/>
+              <a:ext cx="1224930" cy="0"/>
+            </a:xfrm>
+            <a:prstGeom prst="straightConnector1">
+              <a:avLst/>
+            </a:prstGeom>
+            <a:ln>
+              <a:tailEnd type="triangle"/>
+            </a:ln>
+          </p:spPr>
+          <p:style>
+            <a:lnRef idx="1">
+              <a:schemeClr val="accent1"/>
+            </a:lnRef>
+            <a:fillRef idx="0">
+              <a:schemeClr val="accent1"/>
+            </a:fillRef>
+            <a:effectRef idx="0">
+              <a:schemeClr val="accent1"/>
+            </a:effectRef>
+            <a:fontRef idx="minor">
+              <a:schemeClr val="tx1"/>
+            </a:fontRef>
+          </p:style>
+        </p:cxnSp>
+        <p:cxnSp>
+          <p:nvCxnSpPr>
+            <p:cNvPr id="58" name="직선 화살표 연결선 57">
+              <a:extLst>
+                <a:ext uri="{FF2B5EF4-FFF2-40B4-BE49-F238E27FC236}">
+                  <a16:creationId xmlns:a16="http://schemas.microsoft.com/office/drawing/2014/main" id="{0555067F-8E93-4C7C-A5EE-DF89FC8C5AC6}"/>
+                </a:ext>
+              </a:extLst>
+            </p:cNvPr>
+            <p:cNvCxnSpPr>
+              <a:cxnSpLocks/>
+            </p:cNvCxnSpPr>
+            <p:nvPr/>
+          </p:nvCxnSpPr>
+          <p:spPr>
+            <a:xfrm flipH="1">
+              <a:off x="9464566" y="4101354"/>
+              <a:ext cx="1224929" cy="0"/>
+            </a:xfrm>
+            <a:prstGeom prst="straightConnector1">
+              <a:avLst/>
+            </a:prstGeom>
+            <a:ln>
+              <a:tailEnd type="triangle"/>
+            </a:ln>
+          </p:spPr>
+          <p:style>
+            <a:lnRef idx="1">
+              <a:schemeClr val="accent1"/>
+            </a:lnRef>
+            <a:fillRef idx="0">
+              <a:schemeClr val="accent1"/>
+            </a:fillRef>
+            <a:effectRef idx="0">
+              <a:schemeClr val="accent1"/>
+            </a:effectRef>
+            <a:fontRef idx="minor">
+              <a:schemeClr val="tx1"/>
+            </a:fontRef>
+          </p:style>
+        </p:cxnSp>
+        <p:sp>
+          <p:nvSpPr>
+            <p:cNvPr id="59" name="TextBox 58">
+              <a:extLst>
+                <a:ext uri="{FF2B5EF4-FFF2-40B4-BE49-F238E27FC236}">
+                  <a16:creationId xmlns:a16="http://schemas.microsoft.com/office/drawing/2014/main" id="{AF2E0CE9-95B7-4BA9-BB20-B4FFA65A6491}"/>
+                </a:ext>
+              </a:extLst>
+            </p:cNvPr>
+            <p:cNvSpPr txBox="1"/>
+            <p:nvPr/>
+          </p:nvSpPr>
+          <p:spPr>
+            <a:xfrm>
+              <a:off x="9479759" y="3018313"/>
+              <a:ext cx="1223396" cy="338554"/>
+            </a:xfrm>
+            <a:prstGeom prst="rect">
+              <a:avLst/>
+            </a:prstGeom>
+            <a:noFill/>
+          </p:spPr>
+          <p:txBody>
+            <a:bodyPr wrap="square" rtlCol="0">
+              <a:spAutoFit/>
+            </a:bodyPr>
+            <a:lstStyle/>
+            <a:p>
+              <a:r>
+                <a:rPr lang="en-US" altLang="ko-KR" sz="1600" dirty="0"/>
+                <a:t>Command</a:t>
+              </a:r>
+              <a:endParaRPr lang="ko-KR" altLang="en-US" sz="1600" dirty="0"/>
+            </a:p>
+          </p:txBody>
+        </p:sp>
+        <p:sp>
+          <p:nvSpPr>
+            <p:cNvPr id="60" name="TextBox 59">
+              <a:extLst>
+                <a:ext uri="{FF2B5EF4-FFF2-40B4-BE49-F238E27FC236}">
+                  <a16:creationId xmlns:a16="http://schemas.microsoft.com/office/drawing/2014/main" id="{8BBA5092-F944-4BDE-8B2A-054C4E3BBA0B}"/>
+                </a:ext>
+              </a:extLst>
+            </p:cNvPr>
+            <p:cNvSpPr txBox="1"/>
+            <p:nvPr/>
+          </p:nvSpPr>
+          <p:spPr>
+            <a:xfrm>
+              <a:off x="9469450" y="3476188"/>
+              <a:ext cx="1251345" cy="584775"/>
+            </a:xfrm>
+            <a:prstGeom prst="rect">
+              <a:avLst/>
+            </a:prstGeom>
+            <a:noFill/>
+          </p:spPr>
+          <p:txBody>
+            <a:bodyPr wrap="square" rtlCol="0">
+              <a:spAutoFit/>
+            </a:bodyPr>
+            <a:lstStyle/>
+            <a:p>
+              <a:r>
+                <a:rPr lang="en-US" altLang="ko-KR" sz="1600" dirty="0"/>
+                <a:t>Default Response</a:t>
+              </a:r>
+              <a:endParaRPr lang="ko-KR" altLang="en-US" sz="1600" dirty="0"/>
+            </a:p>
+          </p:txBody>
+        </p:sp>
+        <p:cxnSp>
+          <p:nvCxnSpPr>
+            <p:cNvPr id="61" name="직선 화살표 연결선 60">
+              <a:extLst>
+                <a:ext uri="{FF2B5EF4-FFF2-40B4-BE49-F238E27FC236}">
+                  <a16:creationId xmlns:a16="http://schemas.microsoft.com/office/drawing/2014/main" id="{64D7542A-9F38-441A-B7DC-46DC4F084BCE}"/>
+                </a:ext>
+              </a:extLst>
+            </p:cNvPr>
+            <p:cNvCxnSpPr>
+              <a:cxnSpLocks/>
+            </p:cNvCxnSpPr>
+            <p:nvPr/>
+          </p:nvCxnSpPr>
+          <p:spPr>
+            <a:xfrm>
+              <a:off x="9464567" y="5584469"/>
+              <a:ext cx="1224930" cy="0"/>
+            </a:xfrm>
+            <a:prstGeom prst="straightConnector1">
+              <a:avLst/>
+            </a:prstGeom>
+            <a:ln>
+              <a:tailEnd type="triangle"/>
+            </a:ln>
+          </p:spPr>
+          <p:style>
+            <a:lnRef idx="1">
+              <a:schemeClr val="accent1"/>
+            </a:lnRef>
+            <a:fillRef idx="0">
+              <a:schemeClr val="accent1"/>
+            </a:fillRef>
+            <a:effectRef idx="0">
+              <a:schemeClr val="accent1"/>
+            </a:effectRef>
+            <a:fontRef idx="minor">
+              <a:schemeClr val="tx1"/>
+            </a:fontRef>
+          </p:style>
+        </p:cxnSp>
+        <p:cxnSp>
+          <p:nvCxnSpPr>
+            <p:cNvPr id="62" name="직선 화살표 연결선 61">
+              <a:extLst>
+                <a:ext uri="{FF2B5EF4-FFF2-40B4-BE49-F238E27FC236}">
+                  <a16:creationId xmlns:a16="http://schemas.microsoft.com/office/drawing/2014/main" id="{D1961EDF-743D-445B-9FAB-79B7FC74C2CB}"/>
+                </a:ext>
+              </a:extLst>
+            </p:cNvPr>
+            <p:cNvCxnSpPr>
+              <a:cxnSpLocks/>
+            </p:cNvCxnSpPr>
+            <p:nvPr/>
+          </p:nvCxnSpPr>
+          <p:spPr>
+            <a:xfrm flipH="1">
+              <a:off x="9464566" y="4858538"/>
+              <a:ext cx="1224929" cy="0"/>
+            </a:xfrm>
+            <a:prstGeom prst="straightConnector1">
+              <a:avLst/>
+            </a:prstGeom>
+            <a:ln>
+              <a:tailEnd type="triangle"/>
+            </a:ln>
+          </p:spPr>
+          <p:style>
+            <a:lnRef idx="1">
+              <a:schemeClr val="accent1"/>
+            </a:lnRef>
+            <a:fillRef idx="0">
+              <a:schemeClr val="accent1"/>
+            </a:fillRef>
+            <a:effectRef idx="0">
+              <a:schemeClr val="accent1"/>
+            </a:effectRef>
+            <a:fontRef idx="minor">
+              <a:schemeClr val="tx1"/>
+            </a:fontRef>
+          </p:style>
+        </p:cxnSp>
+        <p:sp>
+          <p:nvSpPr>
+            <p:cNvPr id="63" name="TextBox 62">
+              <a:extLst>
+                <a:ext uri="{FF2B5EF4-FFF2-40B4-BE49-F238E27FC236}">
+                  <a16:creationId xmlns:a16="http://schemas.microsoft.com/office/drawing/2014/main" id="{3A9B6187-EB80-4CAD-B6EF-561DDB538762}"/>
+                </a:ext>
+              </a:extLst>
+            </p:cNvPr>
+            <p:cNvSpPr txBox="1"/>
+            <p:nvPr/>
+          </p:nvSpPr>
+          <p:spPr>
+            <a:xfrm>
+              <a:off x="9485469" y="4233123"/>
+              <a:ext cx="1223396" cy="584775"/>
+            </a:xfrm>
+            <a:prstGeom prst="rect">
+              <a:avLst/>
+            </a:prstGeom>
+            <a:noFill/>
+          </p:spPr>
+          <p:txBody>
+            <a:bodyPr wrap="square" rtlCol="0">
+              <a:spAutoFit/>
+            </a:bodyPr>
+            <a:lstStyle/>
+            <a:p>
+              <a:r>
+                <a:rPr lang="en-US" altLang="ko-KR" sz="1600" dirty="0"/>
+                <a:t>Report attributes</a:t>
+              </a:r>
+              <a:endParaRPr lang="ko-KR" altLang="en-US" sz="1600" dirty="0"/>
+            </a:p>
+          </p:txBody>
+        </p:sp>
+        <p:sp>
+          <p:nvSpPr>
+            <p:cNvPr id="64" name="TextBox 63">
+              <a:extLst>
+                <a:ext uri="{FF2B5EF4-FFF2-40B4-BE49-F238E27FC236}">
+                  <a16:creationId xmlns:a16="http://schemas.microsoft.com/office/drawing/2014/main" id="{EE7718F3-DC6B-4029-99AD-2439E251582A}"/>
+                </a:ext>
+              </a:extLst>
+            </p:cNvPr>
+            <p:cNvSpPr txBox="1"/>
+            <p:nvPr/>
+          </p:nvSpPr>
+          <p:spPr>
+            <a:xfrm>
+              <a:off x="9473351" y="4999694"/>
+              <a:ext cx="1223396" cy="584775"/>
+            </a:xfrm>
+            <a:prstGeom prst="rect">
+              <a:avLst/>
+            </a:prstGeom>
+            <a:noFill/>
+          </p:spPr>
+          <p:txBody>
+            <a:bodyPr wrap="square" rtlCol="0">
+              <a:spAutoFit/>
+            </a:bodyPr>
+            <a:lstStyle/>
+            <a:p>
+              <a:r>
+                <a:rPr lang="en-US" altLang="ko-KR" sz="1600" dirty="0"/>
+                <a:t>Default Response</a:t>
+              </a:r>
+              <a:endParaRPr lang="ko-KR" altLang="en-US" sz="1600" dirty="0"/>
+            </a:p>
+          </p:txBody>
+        </p:sp>
+        <p:sp>
+          <p:nvSpPr>
+            <p:cNvPr id="65" name="TextBox 64">
+              <a:extLst>
+                <a:ext uri="{FF2B5EF4-FFF2-40B4-BE49-F238E27FC236}">
+                  <a16:creationId xmlns:a16="http://schemas.microsoft.com/office/drawing/2014/main" id="{BCAE1D5C-1E65-4D45-8479-23D0D2868273}"/>
+                </a:ext>
+              </a:extLst>
+            </p:cNvPr>
+            <p:cNvSpPr txBox="1"/>
+            <p:nvPr/>
+          </p:nvSpPr>
+          <p:spPr>
+            <a:xfrm>
+              <a:off x="9482946" y="5711490"/>
+              <a:ext cx="1223396" cy="584775"/>
+            </a:xfrm>
+            <a:prstGeom prst="rect">
+              <a:avLst/>
+            </a:prstGeom>
+            <a:noFill/>
+          </p:spPr>
+          <p:txBody>
+            <a:bodyPr wrap="square" rtlCol="0">
+              <a:spAutoFit/>
+            </a:bodyPr>
+            <a:lstStyle/>
+            <a:p>
+              <a:r>
+                <a:rPr lang="en-US" altLang="ko-KR" sz="1600" dirty="0"/>
+                <a:t>Default Response</a:t>
+              </a:r>
+              <a:endParaRPr lang="ko-KR" altLang="en-US" sz="1600" dirty="0"/>
+            </a:p>
+          </p:txBody>
+        </p:sp>
+        <p:cxnSp>
+          <p:nvCxnSpPr>
+            <p:cNvPr id="66" name="직선 화살표 연결선 65">
+              <a:extLst>
+                <a:ext uri="{FF2B5EF4-FFF2-40B4-BE49-F238E27FC236}">
+                  <a16:creationId xmlns:a16="http://schemas.microsoft.com/office/drawing/2014/main" id="{EE811920-64E3-4FB7-8EC1-7CE2ADB1CC77}"/>
+                </a:ext>
+              </a:extLst>
+            </p:cNvPr>
+            <p:cNvCxnSpPr>
+              <a:cxnSpLocks/>
+            </p:cNvCxnSpPr>
+            <p:nvPr/>
+          </p:nvCxnSpPr>
+          <p:spPr>
+            <a:xfrm flipH="1">
+              <a:off x="9464565" y="6345202"/>
+              <a:ext cx="1224929" cy="0"/>
+            </a:xfrm>
+            <a:prstGeom prst="straightConnector1">
+              <a:avLst/>
+            </a:prstGeom>
+            <a:ln>
+              <a:tailEnd type="triangle"/>
+            </a:ln>
+          </p:spPr>
+          <p:style>
+            <a:lnRef idx="1">
+              <a:schemeClr val="accent1"/>
+            </a:lnRef>
+            <a:fillRef idx="0">
+              <a:schemeClr val="accent1"/>
+            </a:fillRef>
+            <a:effectRef idx="0">
+              <a:schemeClr val="accent1"/>
+            </a:effectRef>
+            <a:fontRef idx="minor">
+              <a:schemeClr val="tx1"/>
+            </a:fontRef>
+          </p:style>
+        </p:cxnSp>
+      </p:grpSp>
     </p:spTree>
     <p:extLst>
       <p:ext uri="{BB962C8B-B14F-4D97-AF65-F5344CB8AC3E}">
